--- a/Fog Computing.pptx
+++ b/Fog Computing.pptx
@@ -2,7 +2,7 @@
 <file path=ppt/presentation.xml><?xml version="1.0" encoding="utf-8"?>
 <p:presentation xmlns:a="http://schemas.openxmlformats.org/drawingml/2006/main" xmlns:r="http://schemas.openxmlformats.org/officeDocument/2006/relationships" xmlns:p="http://schemas.openxmlformats.org/presentationml/2006/main" saveSubsetFonts="1">
   <p:sldMasterIdLst>
-    <p:sldMasterId id="2147483660" r:id="rId1"/>
+    <p:sldMasterId id="2147483678" r:id="rId1"/>
   </p:sldMasterIdLst>
   <p:notesMasterIdLst>
     <p:notesMasterId r:id="rId8"/>
@@ -113,10 +113,6 @@
     </a:lvl9pPr>
   </p:defaultTextStyle>
 </p:presentation>
-</file>
-
-<file path=ppt/revisionInfo.xml><?xml version="1.0" encoding="utf-8"?>
-<p1510:revInfo xmlns:a="http://schemas.openxmlformats.org/drawingml/2006/main" xmlns:r="http://schemas.openxmlformats.org/officeDocument/2006/relationships" xmlns:p1510="http://schemas.microsoft.com/office/powerpoint/2015/10/main"/>
 </file>
 
 <file path=ppt/notesMasters/notesMaster1.xml><?xml version="1.0" encoding="utf-8"?>
@@ -705,7 +701,7 @@
     </p:spTree>
     <p:extLst>
       <p:ext uri="{BB962C8B-B14F-4D97-AF65-F5344CB8AC3E}">
-        <p14:creationId xmlns:p14="http://schemas.microsoft.com/office/powerpoint/2010/main" val="2701644147"/>
+        <p14:creationId xmlns:p14="http://schemas.microsoft.com/office/powerpoint/2010/main" val="1446790828"/>
       </p:ext>
     </p:extLst>
   </p:cSld>
@@ -980,7 +976,7 @@
     </p:spTree>
     <p:extLst>
       <p:ext uri="{BB962C8B-B14F-4D97-AF65-F5344CB8AC3E}">
-        <p14:creationId xmlns:p14="http://schemas.microsoft.com/office/powerpoint/2010/main" val="4054512676"/>
+        <p14:creationId xmlns:p14="http://schemas.microsoft.com/office/powerpoint/2010/main" val="2585460758"/>
       </p:ext>
     </p:extLst>
   </p:cSld>
@@ -1174,7 +1170,7 @@
     </p:spTree>
     <p:extLst>
       <p:ext uri="{BB962C8B-B14F-4D97-AF65-F5344CB8AC3E}">
-        <p14:creationId xmlns:p14="http://schemas.microsoft.com/office/powerpoint/2010/main" val="3576899204"/>
+        <p14:creationId xmlns:p14="http://schemas.microsoft.com/office/powerpoint/2010/main" val="740093919"/>
       </p:ext>
     </p:extLst>
   </p:cSld>
@@ -1541,7 +1537,7 @@
     </p:spTree>
     <p:extLst>
       <p:ext uri="{BB962C8B-B14F-4D97-AF65-F5344CB8AC3E}">
-        <p14:creationId xmlns:p14="http://schemas.microsoft.com/office/powerpoint/2010/main" val="1555721172"/>
+        <p14:creationId xmlns:p14="http://schemas.microsoft.com/office/powerpoint/2010/main" val="2622620112"/>
       </p:ext>
     </p:extLst>
   </p:cSld>
@@ -1788,7 +1784,7 @@
     </p:spTree>
     <p:extLst>
       <p:ext uri="{BB962C8B-B14F-4D97-AF65-F5344CB8AC3E}">
-        <p14:creationId xmlns:p14="http://schemas.microsoft.com/office/powerpoint/2010/main" val="648217193"/>
+        <p14:creationId xmlns:p14="http://schemas.microsoft.com/office/powerpoint/2010/main" val="1182667965"/>
       </p:ext>
     </p:extLst>
   </p:cSld>
@@ -2411,7 +2407,7 @@
     </p:spTree>
     <p:extLst>
       <p:ext uri="{BB962C8B-B14F-4D97-AF65-F5344CB8AC3E}">
-        <p14:creationId xmlns:p14="http://schemas.microsoft.com/office/powerpoint/2010/main" val="1398983512"/>
+        <p14:creationId xmlns:p14="http://schemas.microsoft.com/office/powerpoint/2010/main" val="202967252"/>
       </p:ext>
     </p:extLst>
   </p:cSld>
@@ -3271,7 +3267,7 @@
     </p:spTree>
     <p:extLst>
       <p:ext uri="{BB962C8B-B14F-4D97-AF65-F5344CB8AC3E}">
-        <p14:creationId xmlns:p14="http://schemas.microsoft.com/office/powerpoint/2010/main" val="266512389"/>
+        <p14:creationId xmlns:p14="http://schemas.microsoft.com/office/powerpoint/2010/main" val="2667028070"/>
       </p:ext>
     </p:extLst>
   </p:cSld>
@@ -3441,7 +3437,7 @@
     </p:spTree>
     <p:extLst>
       <p:ext uri="{BB962C8B-B14F-4D97-AF65-F5344CB8AC3E}">
-        <p14:creationId xmlns:p14="http://schemas.microsoft.com/office/powerpoint/2010/main" val="2358956632"/>
+        <p14:creationId xmlns:p14="http://schemas.microsoft.com/office/powerpoint/2010/main" val="2313609554"/>
       </p:ext>
     </p:extLst>
   </p:cSld>
@@ -3621,7 +3617,7 @@
     </p:spTree>
     <p:extLst>
       <p:ext uri="{BB962C8B-B14F-4D97-AF65-F5344CB8AC3E}">
-        <p14:creationId xmlns:p14="http://schemas.microsoft.com/office/powerpoint/2010/main" val="2468070076"/>
+        <p14:creationId xmlns:p14="http://schemas.microsoft.com/office/powerpoint/2010/main" val="1476171303"/>
       </p:ext>
     </p:extLst>
   </p:cSld>
@@ -3791,7 +3787,7 @@
     </p:spTree>
     <p:extLst>
       <p:ext uri="{BB962C8B-B14F-4D97-AF65-F5344CB8AC3E}">
-        <p14:creationId xmlns:p14="http://schemas.microsoft.com/office/powerpoint/2010/main" val="1355063589"/>
+        <p14:creationId xmlns:p14="http://schemas.microsoft.com/office/powerpoint/2010/main" val="3868889577"/>
       </p:ext>
     </p:extLst>
   </p:cSld>
@@ -4038,7 +4034,7 @@
     </p:spTree>
     <p:extLst>
       <p:ext uri="{BB962C8B-B14F-4D97-AF65-F5344CB8AC3E}">
-        <p14:creationId xmlns:p14="http://schemas.microsoft.com/office/powerpoint/2010/main" val="187979774"/>
+        <p14:creationId xmlns:p14="http://schemas.microsoft.com/office/powerpoint/2010/main" val="1555696172"/>
       </p:ext>
     </p:extLst>
   </p:cSld>
@@ -4330,7 +4326,7 @@
     </p:spTree>
     <p:extLst>
       <p:ext uri="{BB962C8B-B14F-4D97-AF65-F5344CB8AC3E}">
-        <p14:creationId xmlns:p14="http://schemas.microsoft.com/office/powerpoint/2010/main" val="3022813051"/>
+        <p14:creationId xmlns:p14="http://schemas.microsoft.com/office/powerpoint/2010/main" val="1533986338"/>
       </p:ext>
     </p:extLst>
   </p:cSld>
@@ -4774,7 +4770,7 @@
     </p:spTree>
     <p:extLst>
       <p:ext uri="{BB962C8B-B14F-4D97-AF65-F5344CB8AC3E}">
-        <p14:creationId xmlns:p14="http://schemas.microsoft.com/office/powerpoint/2010/main" val="2528729487"/>
+        <p14:creationId xmlns:p14="http://schemas.microsoft.com/office/powerpoint/2010/main" val="2757029994"/>
       </p:ext>
     </p:extLst>
   </p:cSld>
@@ -4892,7 +4888,7 @@
     </p:spTree>
     <p:extLst>
       <p:ext uri="{BB962C8B-B14F-4D97-AF65-F5344CB8AC3E}">
-        <p14:creationId xmlns:p14="http://schemas.microsoft.com/office/powerpoint/2010/main" val="1789933683"/>
+        <p14:creationId xmlns:p14="http://schemas.microsoft.com/office/powerpoint/2010/main" val="2670666185"/>
       </p:ext>
     </p:extLst>
   </p:cSld>
@@ -4987,7 +4983,7 @@
     </p:spTree>
     <p:extLst>
       <p:ext uri="{BB962C8B-B14F-4D97-AF65-F5344CB8AC3E}">
-        <p14:creationId xmlns:p14="http://schemas.microsoft.com/office/powerpoint/2010/main" val="694375602"/>
+        <p14:creationId xmlns:p14="http://schemas.microsoft.com/office/powerpoint/2010/main" val="1549025698"/>
       </p:ext>
     </p:extLst>
   </p:cSld>
@@ -5266,7 +5262,7 @@
     </p:spTree>
     <p:extLst>
       <p:ext uri="{BB962C8B-B14F-4D97-AF65-F5344CB8AC3E}">
-        <p14:creationId xmlns:p14="http://schemas.microsoft.com/office/powerpoint/2010/main" val="4285456282"/>
+        <p14:creationId xmlns:p14="http://schemas.microsoft.com/office/powerpoint/2010/main" val="4017442460"/>
       </p:ext>
     </p:extLst>
   </p:cSld>
@@ -5541,7 +5537,7 @@
     </p:spTree>
     <p:extLst>
       <p:ext uri="{BB962C8B-B14F-4D97-AF65-F5344CB8AC3E}">
-        <p14:creationId xmlns:p14="http://schemas.microsoft.com/office/powerpoint/2010/main" val="2151057416"/>
+        <p14:creationId xmlns:p14="http://schemas.microsoft.com/office/powerpoint/2010/main" val="1654200391"/>
       </p:ext>
     </p:extLst>
   </p:cSld>
@@ -6007,29 +6003,29 @@
     </p:spTree>
     <p:extLst>
       <p:ext uri="{BB962C8B-B14F-4D97-AF65-F5344CB8AC3E}">
-        <p14:creationId xmlns:p14="http://schemas.microsoft.com/office/powerpoint/2010/main" val="1095495791"/>
+        <p14:creationId xmlns:p14="http://schemas.microsoft.com/office/powerpoint/2010/main" val="3558481341"/>
       </p:ext>
     </p:extLst>
   </p:cSld>
   <p:clrMap bg1="dk1" tx1="lt1" bg2="dk2" tx2="lt2" accent1="accent1" accent2="accent2" accent3="accent3" accent4="accent4" accent5="accent5" accent6="accent6" hlink="hlink" folHlink="folHlink"/>
   <p:sldLayoutIdLst>
-    <p:sldLayoutId id="2147483661" r:id="rId1"/>
-    <p:sldLayoutId id="2147483662" r:id="rId2"/>
-    <p:sldLayoutId id="2147483663" r:id="rId3"/>
-    <p:sldLayoutId id="2147483664" r:id="rId4"/>
-    <p:sldLayoutId id="2147483665" r:id="rId5"/>
-    <p:sldLayoutId id="2147483666" r:id="rId6"/>
-    <p:sldLayoutId id="2147483667" r:id="rId7"/>
-    <p:sldLayoutId id="2147483668" r:id="rId8"/>
-    <p:sldLayoutId id="2147483669" r:id="rId9"/>
-    <p:sldLayoutId id="2147483670" r:id="rId10"/>
-    <p:sldLayoutId id="2147483671" r:id="rId11"/>
-    <p:sldLayoutId id="2147483672" r:id="rId12"/>
-    <p:sldLayoutId id="2147483673" r:id="rId13"/>
-    <p:sldLayoutId id="2147483674" r:id="rId14"/>
-    <p:sldLayoutId id="2147483675" r:id="rId15"/>
-    <p:sldLayoutId id="2147483676" r:id="rId16"/>
-    <p:sldLayoutId id="2147483677" r:id="rId17"/>
+    <p:sldLayoutId id="2147483679" r:id="rId1"/>
+    <p:sldLayoutId id="2147483680" r:id="rId2"/>
+    <p:sldLayoutId id="2147483681" r:id="rId3"/>
+    <p:sldLayoutId id="2147483682" r:id="rId4"/>
+    <p:sldLayoutId id="2147483683" r:id="rId5"/>
+    <p:sldLayoutId id="2147483684" r:id="rId6"/>
+    <p:sldLayoutId id="2147483685" r:id="rId7"/>
+    <p:sldLayoutId id="2147483686" r:id="rId8"/>
+    <p:sldLayoutId id="2147483687" r:id="rId9"/>
+    <p:sldLayoutId id="2147483688" r:id="rId10"/>
+    <p:sldLayoutId id="2147483689" r:id="rId11"/>
+    <p:sldLayoutId id="2147483690" r:id="rId12"/>
+    <p:sldLayoutId id="2147483691" r:id="rId13"/>
+    <p:sldLayoutId id="2147483692" r:id="rId14"/>
+    <p:sldLayoutId id="2147483693" r:id="rId15"/>
+    <p:sldLayoutId id="2147483694" r:id="rId16"/>
+    <p:sldLayoutId id="2147483695" r:id="rId17"/>
   </p:sldLayoutIdLst>
   <p:txStyles>
     <p:titleStyle>
@@ -6653,7 +6649,10 @@
           <a:bodyPr/>
           <a:lstStyle/>
           <a:p>
-            <a:endParaRPr lang="pt-BR" dirty="0"/>
+            <a:r>
+              <a:rPr lang="pt-BR" dirty="0"/>
+              <a:t>Problemática</a:t>
+            </a:r>
           </a:p>
         </p:txBody>
       </p:sp>
@@ -6761,14 +6760,14 @@
             <p:ph idx="1"/>
             <p:extLst>
               <p:ext uri="{D42A27DB-BD31-4B8C-83A1-F6EECF244321}">
-                <p14:modId xmlns:p14="http://schemas.microsoft.com/office/powerpoint/2010/main" val="3950420797"/>
+                <p14:modId xmlns:p14="http://schemas.microsoft.com/office/powerpoint/2010/main" val="1803349752"/>
               </p:ext>
             </p:extLst>
           </p:nvPr>
         </p:nvGraphicFramePr>
         <p:xfrm>
-          <a:off x="1265238" y="1219200"/>
-          <a:ext cx="8947149" cy="5628640"/>
+          <a:off x="646110" y="1398168"/>
+          <a:ext cx="9404724" cy="5037594"/>
         </p:xfrm>
         <a:graphic>
           <a:graphicData uri="http://schemas.openxmlformats.org/drawingml/2006/table">
@@ -6777,21 +6776,21 @@
                 <a:tableStyleId>{5C22544A-7EE6-4342-B048-85BDC9FD1C3A}</a:tableStyleId>
               </a:tblPr>
               <a:tblGrid>
-                <a:gridCol w="2982383">
+                <a:gridCol w="3134908">
                   <a:extLst>
                     <a:ext uri="{9D8B030D-6E8A-4147-A177-3AD203B41FA5}">
                       <a16:colId xmlns:a16="http://schemas.microsoft.com/office/drawing/2014/main" val="4144113411"/>
                     </a:ext>
                   </a:extLst>
                 </a:gridCol>
-                <a:gridCol w="2982383">
+                <a:gridCol w="3134908">
                   <a:extLst>
                     <a:ext uri="{9D8B030D-6E8A-4147-A177-3AD203B41FA5}">
                       <a16:colId xmlns:a16="http://schemas.microsoft.com/office/drawing/2014/main" val="3389461439"/>
                     </a:ext>
                   </a:extLst>
                 </a:gridCol>
-                <a:gridCol w="2982383">
+                <a:gridCol w="3134908">
                   <a:extLst>
                     <a:ext uri="{9D8B030D-6E8A-4147-A177-3AD203B41FA5}">
                       <a16:colId xmlns:a16="http://schemas.microsoft.com/office/drawing/2014/main" val="2723774629"/>
@@ -6799,7 +6798,7 @@
                   </a:extLst>
                 </a:gridCol>
               </a:tblGrid>
-              <a:tr h="370840">
+              <a:tr h="283471">
                 <a:tc>
                   <a:txBody>
                     <a:bodyPr/>
@@ -6807,10 +6806,9 @@
                     <a:p>
                       <a:pPr algn="ctr"/>
                       <a:r>
-                        <a:rPr lang="pt-BR" dirty="0" err="1"/>
-                        <a:t>Requirements</a:t>
+                        <a:rPr lang="pt-BR" sz="1800" dirty="0"/>
+                        <a:t>Requisitos</a:t>
                       </a:r>
-                      <a:endParaRPr lang="pt-BR" dirty="0"/>
                     </a:p>
                   </a:txBody>
                   <a:tcPr marL="77801" marR="77801"/>
@@ -6822,7 +6820,7 @@
                     <a:p>
                       <a:pPr algn="ctr"/>
                       <a:r>
-                        <a:rPr lang="pt-BR" dirty="0"/>
+                        <a:rPr lang="pt-BR" sz="1800" dirty="0"/>
                         <a:t>Cloud Computing</a:t>
                       </a:r>
                     </a:p>
@@ -6836,7 +6834,7 @@
                     <a:p>
                       <a:pPr algn="ctr"/>
                       <a:r>
-                        <a:rPr lang="pt-BR" dirty="0"/>
+                        <a:rPr lang="pt-BR" sz="1800" dirty="0"/>
                         <a:t>Fog Computing</a:t>
                       </a:r>
                     </a:p>
@@ -6849,16 +6847,16 @@
                   </a:ext>
                 </a:extLst>
               </a:tr>
-              <a:tr h="370840">
+              <a:tr h="283471">
                 <a:tc>
                   <a:txBody>
                     <a:bodyPr/>
                     <a:lstStyle/>
                     <a:p>
-                      <a:pPr algn="just"/>
+                      <a:pPr algn="l"/>
                       <a:r>
-                        <a:rPr lang="pt-BR" dirty="0"/>
-                        <a:t>Lantency</a:t>
+                        <a:rPr lang="pt-BR" sz="1600" dirty="0"/>
+                        <a:t>Latência</a:t>
                       </a:r>
                     </a:p>
                   </a:txBody>
@@ -6869,10 +6867,10 @@
                     <a:bodyPr/>
                     <a:lstStyle/>
                     <a:p>
-                      <a:pPr algn="just"/>
+                      <a:pPr algn="l"/>
                       <a:r>
-                        <a:rPr lang="pt-BR" dirty="0"/>
-                        <a:t>High</a:t>
+                        <a:rPr lang="pt-BR" sz="1600" dirty="0"/>
+                        <a:t>Alto</a:t>
                       </a:r>
                     </a:p>
                   </a:txBody>
@@ -6883,10 +6881,10 @@
                     <a:bodyPr/>
                     <a:lstStyle/>
                     <a:p>
-                      <a:pPr algn="just"/>
+                      <a:pPr algn="l"/>
                       <a:r>
-                        <a:rPr lang="pt-BR" dirty="0"/>
-                        <a:t>Low</a:t>
+                        <a:rPr lang="pt-BR" sz="1600" dirty="0"/>
+                        <a:t>Baixo</a:t>
                       </a:r>
                     </a:p>
                   </a:txBody>
@@ -6898,16 +6896,16 @@
                   </a:ext>
                 </a:extLst>
               </a:tr>
-              <a:tr h="370840">
+              <a:tr h="283471">
                 <a:tc>
                   <a:txBody>
                     <a:bodyPr/>
                     <a:lstStyle/>
                     <a:p>
-                      <a:pPr algn="just"/>
+                      <a:pPr algn="l"/>
                       <a:r>
-                        <a:rPr lang="pt-BR" dirty="0"/>
-                        <a:t>Delay Jitter</a:t>
+                        <a:rPr lang="pt-BR" sz="1600" dirty="0"/>
+                        <a:t>Atraso de Jitter</a:t>
                       </a:r>
                     </a:p>
                   </a:txBody>
@@ -6918,10 +6916,10 @@
                     <a:bodyPr/>
                     <a:lstStyle/>
                     <a:p>
-                      <a:pPr algn="just"/>
+                      <a:pPr algn="l"/>
                       <a:r>
-                        <a:rPr lang="pt-BR" dirty="0"/>
-                        <a:t>High</a:t>
+                        <a:rPr lang="pt-BR" sz="1600" dirty="0"/>
+                        <a:t>Alto</a:t>
                       </a:r>
                     </a:p>
                   </a:txBody>
@@ -6932,10 +6930,10 @@
                     <a:bodyPr/>
                     <a:lstStyle/>
                     <a:p>
-                      <a:pPr algn="just"/>
+                      <a:pPr algn="l"/>
                       <a:r>
-                        <a:rPr lang="pt-BR" dirty="0"/>
-                        <a:t>Very Low</a:t>
+                        <a:rPr lang="pt-BR" sz="1600" dirty="0"/>
+                        <a:t>Muito Baixo</a:t>
                       </a:r>
                     </a:p>
                   </a:txBody>
@@ -6947,16 +6945,16 @@
                   </a:ext>
                 </a:extLst>
               </a:tr>
-              <a:tr h="370840">
+              <a:tr h="496074">
                 <a:tc>
                   <a:txBody>
                     <a:bodyPr/>
                     <a:lstStyle/>
                     <a:p>
-                      <a:pPr algn="just"/>
+                      <a:pPr algn="l"/>
                       <a:r>
-                        <a:rPr lang="pt-BR" dirty="0"/>
-                        <a:t>Location of Service</a:t>
+                        <a:rPr lang="pt-BR" sz="1600" dirty="0"/>
+                        <a:t>Localização do Serviço</a:t>
                       </a:r>
                     </a:p>
                   </a:txBody>
@@ -6967,10 +6965,10 @@
                     <a:bodyPr/>
                     <a:lstStyle/>
                     <a:p>
-                      <a:pPr algn="just"/>
+                      <a:pPr algn="l"/>
                       <a:r>
-                        <a:rPr lang="pt-BR" dirty="0"/>
-                        <a:t>Within the Internet</a:t>
+                        <a:rPr lang="pt-BR" sz="1600" dirty="0"/>
+                        <a:t>Dentro da Internet</a:t>
                       </a:r>
                     </a:p>
                   </a:txBody>
@@ -6981,10 +6979,10 @@
                     <a:bodyPr/>
                     <a:lstStyle/>
                     <a:p>
-                      <a:pPr algn="just"/>
+                      <a:pPr algn="l"/>
                       <a:r>
-                        <a:rPr lang="pt-BR" dirty="0"/>
-                        <a:t>At the edge of the local network</a:t>
+                        <a:rPr lang="pt-BR" sz="1600" dirty="0"/>
+                        <a:t>À beira (edge) da rede local</a:t>
                       </a:r>
                     </a:p>
                   </a:txBody>
@@ -6996,16 +6994,16 @@
                   </a:ext>
                 </a:extLst>
               </a:tr>
-              <a:tr h="370840">
+              <a:tr h="496074">
                 <a:tc>
                   <a:txBody>
                     <a:bodyPr/>
                     <a:lstStyle/>
                     <a:p>
-                      <a:pPr algn="just"/>
+                      <a:pPr algn="l"/>
                       <a:r>
-                        <a:rPr lang="pt-BR" dirty="0"/>
-                        <a:t>Distance between client and server</a:t>
+                        <a:rPr lang="pt-BR" sz="1600" dirty="0"/>
+                        <a:t>Distância entre cliente e servidor</a:t>
                       </a:r>
                     </a:p>
                   </a:txBody>
@@ -7016,10 +7014,10 @@
                     <a:bodyPr/>
                     <a:lstStyle/>
                     <a:p>
-                      <a:pPr algn="just"/>
+                      <a:pPr algn="l"/>
                       <a:r>
-                        <a:rPr lang="pt-BR" dirty="0"/>
-                        <a:t>Multiple hops</a:t>
+                        <a:rPr lang="pt-BR" sz="1600" dirty="0"/>
+                        <a:t>Múltiplos saltos</a:t>
                       </a:r>
                     </a:p>
                   </a:txBody>
@@ -7030,10 +7028,10 @@
                     <a:bodyPr/>
                     <a:lstStyle/>
                     <a:p>
-                      <a:pPr algn="just"/>
+                      <a:pPr algn="l"/>
                       <a:r>
-                        <a:rPr lang="pt-BR" dirty="0"/>
-                        <a:t>One Hope</a:t>
+                        <a:rPr lang="pt-BR" sz="1600" dirty="0"/>
+                        <a:t>Um salto</a:t>
                       </a:r>
                     </a:p>
                   </a:txBody>
@@ -7045,16 +7043,16 @@
                   </a:ext>
                 </a:extLst>
               </a:tr>
-              <a:tr h="370840">
+              <a:tr h="283471">
                 <a:tc>
                   <a:txBody>
                     <a:bodyPr/>
                     <a:lstStyle/>
                     <a:p>
-                      <a:pPr algn="just"/>
+                      <a:pPr algn="l"/>
                       <a:r>
-                        <a:rPr lang="pt-BR" dirty="0"/>
-                        <a:t>Security</a:t>
+                        <a:rPr lang="pt-BR" sz="1600" dirty="0"/>
+                        <a:t>Segurança</a:t>
                       </a:r>
                     </a:p>
                   </a:txBody>
@@ -7065,10 +7063,10 @@
                     <a:bodyPr/>
                     <a:lstStyle/>
                     <a:p>
-                      <a:pPr algn="just"/>
+                      <a:pPr algn="l"/>
                       <a:r>
-                        <a:rPr lang="pt-BR" dirty="0"/>
-                        <a:t>Undefined</a:t>
+                        <a:rPr lang="pt-BR" sz="1600" dirty="0"/>
+                        <a:t>Indefinido</a:t>
                       </a:r>
                     </a:p>
                   </a:txBody>
@@ -7079,10 +7077,10 @@
                     <a:bodyPr/>
                     <a:lstStyle/>
                     <a:p>
-                      <a:pPr algn="just"/>
+                      <a:pPr algn="l"/>
                       <a:r>
-                        <a:rPr lang="pt-BR" dirty="0"/>
-                        <a:t>Can be defined</a:t>
+                        <a:rPr lang="pt-BR" sz="1600" dirty="0"/>
+                        <a:t>Pode ser definido</a:t>
                       </a:r>
                     </a:p>
                   </a:txBody>
@@ -7094,16 +7092,16 @@
                   </a:ext>
                 </a:extLst>
               </a:tr>
-              <a:tr h="370840">
+              <a:tr h="283471">
                 <a:tc>
                   <a:txBody>
                     <a:bodyPr/>
                     <a:lstStyle/>
                     <a:p>
-                      <a:pPr algn="just"/>
+                      <a:pPr algn="l"/>
                       <a:r>
-                        <a:rPr lang="pt-BR" dirty="0"/>
-                        <a:t>Attack on data enroute</a:t>
+                        <a:rPr lang="pt-BR" sz="1600" dirty="0"/>
+                        <a:t>Ataque em dados a caminho</a:t>
                       </a:r>
                     </a:p>
                   </a:txBody>
@@ -7114,10 +7112,10 @@
                     <a:bodyPr/>
                     <a:lstStyle/>
                     <a:p>
-                      <a:pPr algn="just"/>
+                      <a:pPr algn="l"/>
                       <a:r>
-                        <a:rPr lang="pt-BR" dirty="0"/>
-                        <a:t>High probability</a:t>
+                        <a:rPr lang="pt-BR" sz="1600" dirty="0"/>
+                        <a:t>Alta probabilidade</a:t>
                       </a:r>
                     </a:p>
                   </a:txBody>
@@ -7128,10 +7126,10 @@
                     <a:bodyPr/>
                     <a:lstStyle/>
                     <a:p>
-                      <a:pPr algn="just"/>
+                      <a:pPr algn="l"/>
                       <a:r>
-                        <a:rPr lang="pt-BR" dirty="0"/>
-                        <a:t>Very low probability</a:t>
+                        <a:rPr lang="pt-BR" sz="1600" dirty="0"/>
+                        <a:t>Muito baixa probabilidade</a:t>
                       </a:r>
                     </a:p>
                   </a:txBody>
@@ -7143,16 +7141,16 @@
                   </a:ext>
                 </a:extLst>
               </a:tr>
-              <a:tr h="370840">
+              <a:tr h="283471">
                 <a:tc>
                   <a:txBody>
                     <a:bodyPr/>
                     <a:lstStyle/>
                     <a:p>
-                      <a:pPr algn="just"/>
+                      <a:pPr algn="l"/>
                       <a:r>
-                        <a:rPr lang="pt-BR" dirty="0"/>
-                        <a:t>Location awareness</a:t>
+                        <a:rPr lang="pt-BR" sz="1600" dirty="0"/>
+                        <a:t>Consciência de Localização</a:t>
                       </a:r>
                     </a:p>
                   </a:txBody>
@@ -7163,10 +7161,10 @@
                     <a:bodyPr/>
                     <a:lstStyle/>
                     <a:p>
-                      <a:pPr algn="just"/>
+                      <a:pPr algn="l"/>
                       <a:r>
-                        <a:rPr lang="pt-BR" dirty="0"/>
-                        <a:t>No</a:t>
+                        <a:rPr lang="pt-BR" sz="1600" dirty="0"/>
+                        <a:t>Não</a:t>
                       </a:r>
                     </a:p>
                   </a:txBody>
@@ -7177,10 +7175,10 @@
                     <a:bodyPr/>
                     <a:lstStyle/>
                     <a:p>
-                      <a:pPr algn="just"/>
+                      <a:pPr algn="l"/>
                       <a:r>
-                        <a:rPr lang="pt-BR" dirty="0"/>
-                        <a:t>Yes</a:t>
+                        <a:rPr lang="pt-BR" sz="1600" dirty="0"/>
+                        <a:t>Sim</a:t>
                       </a:r>
                     </a:p>
                   </a:txBody>
@@ -7192,16 +7190,16 @@
                   </a:ext>
                 </a:extLst>
               </a:tr>
-              <a:tr h="370840">
+              <a:tr h="283471">
                 <a:tc>
                   <a:txBody>
                     <a:bodyPr/>
                     <a:lstStyle/>
                     <a:p>
-                      <a:pPr algn="just"/>
+                      <a:pPr algn="l"/>
                       <a:r>
-                        <a:rPr lang="pt-BR" dirty="0"/>
-                        <a:t>Geo-distribution</a:t>
+                        <a:rPr lang="pt-BR" sz="1600" dirty="0"/>
+                        <a:t>Geo-distribuição</a:t>
                       </a:r>
                     </a:p>
                   </a:txBody>
@@ -7212,10 +7210,10 @@
                     <a:bodyPr/>
                     <a:lstStyle/>
                     <a:p>
-                      <a:pPr algn="just"/>
+                      <a:pPr algn="l"/>
                       <a:r>
-                        <a:rPr lang="pt-BR" dirty="0"/>
-                        <a:t>Centralized</a:t>
+                        <a:rPr lang="pt-BR" sz="1600" dirty="0"/>
+                        <a:t>Centralizado</a:t>
                       </a:r>
                     </a:p>
                   </a:txBody>
@@ -7226,10 +7224,10 @@
                     <a:bodyPr/>
                     <a:lstStyle/>
                     <a:p>
-                      <a:pPr algn="just"/>
+                      <a:pPr algn="l"/>
                       <a:r>
-                        <a:rPr lang="pt-BR" dirty="0"/>
-                        <a:t>Distributed</a:t>
+                        <a:rPr lang="pt-BR" sz="1600" dirty="0"/>
+                        <a:t>Distribuído</a:t>
                       </a:r>
                     </a:p>
                   </a:txBody>
@@ -7241,16 +7239,16 @@
                   </a:ext>
                 </a:extLst>
               </a:tr>
-              <a:tr h="370840">
+              <a:tr h="283471">
                 <a:tc>
                   <a:txBody>
                     <a:bodyPr/>
                     <a:lstStyle/>
                     <a:p>
-                      <a:pPr algn="just"/>
+                      <a:pPr algn="l"/>
                       <a:r>
-                        <a:rPr lang="pt-BR" dirty="0"/>
-                        <a:t>No. of server nodes</a:t>
+                        <a:rPr lang="pt-BR" sz="1600" dirty="0"/>
+                        <a:t>Nº de nós de servidores</a:t>
                       </a:r>
                     </a:p>
                   </a:txBody>
@@ -7261,10 +7259,10 @@
                     <a:bodyPr/>
                     <a:lstStyle/>
                     <a:p>
-                      <a:pPr algn="just"/>
+                      <a:pPr algn="l"/>
                       <a:r>
-                        <a:rPr lang="pt-BR" dirty="0"/>
-                        <a:t>Few</a:t>
+                        <a:rPr lang="pt-BR" sz="1600" dirty="0"/>
+                        <a:t>Poucos</a:t>
                       </a:r>
                     </a:p>
                   </a:txBody>
@@ -7275,10 +7273,10 @@
                     <a:bodyPr/>
                     <a:lstStyle/>
                     <a:p>
-                      <a:pPr algn="just"/>
+                      <a:pPr algn="l"/>
                       <a:r>
-                        <a:rPr lang="pt-BR" dirty="0"/>
-                        <a:t>Very large</a:t>
+                        <a:rPr lang="pt-BR" sz="1600" dirty="0"/>
+                        <a:t>Muito amplo</a:t>
                       </a:r>
                     </a:p>
                   </a:txBody>
@@ -7290,16 +7288,16 @@
                   </a:ext>
                 </a:extLst>
               </a:tr>
-              <a:tr h="370840">
+              <a:tr h="283471">
                 <a:tc>
                   <a:txBody>
                     <a:bodyPr/>
                     <a:lstStyle/>
                     <a:p>
-                      <a:pPr algn="just"/>
+                      <a:pPr algn="l"/>
                       <a:r>
-                        <a:rPr lang="pt-BR" dirty="0"/>
-                        <a:t>Support for Mobility</a:t>
+                        <a:rPr lang="pt-BR" sz="1600" dirty="0"/>
+                        <a:t>Suporte para mobilidade</a:t>
                       </a:r>
                     </a:p>
                   </a:txBody>
@@ -7310,10 +7308,10 @@
                     <a:bodyPr/>
                     <a:lstStyle/>
                     <a:p>
-                      <a:pPr algn="just"/>
+                      <a:pPr algn="l"/>
                       <a:r>
-                        <a:rPr lang="pt-BR" dirty="0"/>
-                        <a:t>Limited</a:t>
+                        <a:rPr lang="pt-BR" sz="1600" dirty="0"/>
+                        <a:t>Limitado</a:t>
                       </a:r>
                     </a:p>
                   </a:txBody>
@@ -7324,10 +7322,10 @@
                     <a:bodyPr/>
                     <a:lstStyle/>
                     <a:p>
-                      <a:pPr algn="just"/>
+                      <a:pPr algn="l"/>
                       <a:r>
-                        <a:rPr lang="pt-BR" dirty="0"/>
-                        <a:t>Supported</a:t>
+                        <a:rPr lang="pt-BR" sz="1600" dirty="0"/>
+                        <a:t>Suportado</a:t>
                       </a:r>
                     </a:p>
                   </a:txBody>
@@ -7339,16 +7337,16 @@
                   </a:ext>
                 </a:extLst>
               </a:tr>
-              <a:tr h="370840">
+              <a:tr h="283471">
                 <a:tc>
                   <a:txBody>
                     <a:bodyPr/>
                     <a:lstStyle/>
                     <a:p>
-                      <a:pPr algn="just"/>
+                      <a:pPr algn="l"/>
                       <a:r>
-                        <a:rPr lang="pt-BR" dirty="0"/>
-                        <a:t>Real time interactions</a:t>
+                        <a:rPr lang="pt-BR" sz="1600" dirty="0"/>
+                        <a:t>Interações em tempo real</a:t>
                       </a:r>
                     </a:p>
                   </a:txBody>
@@ -7359,10 +7357,10 @@
                     <a:bodyPr/>
                     <a:lstStyle/>
                     <a:p>
-                      <a:pPr algn="just"/>
+                      <a:pPr algn="l"/>
                       <a:r>
-                        <a:rPr lang="pt-BR" dirty="0"/>
-                        <a:t>Supported</a:t>
+                        <a:rPr lang="pt-BR" sz="1600" dirty="0"/>
+                        <a:t>Suportado</a:t>
                       </a:r>
                     </a:p>
                   </a:txBody>
@@ -7373,10 +7371,10 @@
                     <a:bodyPr/>
                     <a:lstStyle/>
                     <a:p>
-                      <a:pPr algn="just"/>
+                      <a:pPr algn="l"/>
                       <a:r>
-                        <a:rPr lang="pt-BR" dirty="0"/>
-                        <a:t>Supported</a:t>
+                        <a:rPr lang="pt-BR" sz="1600" dirty="0"/>
+                        <a:t>Suportado</a:t>
                       </a:r>
                     </a:p>
                   </a:txBody>
@@ -7388,16 +7386,16 @@
                   </a:ext>
                 </a:extLst>
               </a:tr>
-              <a:tr h="370840">
+              <a:tr h="496074">
                 <a:tc>
                   <a:txBody>
                     <a:bodyPr/>
                     <a:lstStyle/>
                     <a:p>
-                      <a:pPr algn="just"/>
+                      <a:pPr algn="l"/>
                       <a:r>
-                        <a:rPr lang="pt-BR" dirty="0"/>
-                        <a:t>Type of last mile connectivity</a:t>
+                        <a:rPr lang="pt-BR" sz="1600" dirty="0"/>
+                        <a:t>Tipo de conectividade da última milha</a:t>
                       </a:r>
                     </a:p>
                   </a:txBody>
@@ -7408,10 +7406,10 @@
                     <a:bodyPr/>
                     <a:lstStyle/>
                     <a:p>
-                      <a:pPr algn="just"/>
+                      <a:pPr algn="l"/>
                       <a:r>
-                        <a:rPr lang="pt-BR" dirty="0"/>
-                        <a:t>Leased Line</a:t>
+                        <a:rPr lang="pt-BR" sz="1600" dirty="0"/>
+                        <a:t>Linha alugada</a:t>
                       </a:r>
                     </a:p>
                   </a:txBody>
@@ -7422,10 +7420,10 @@
                     <a:bodyPr/>
                     <a:lstStyle/>
                     <a:p>
-                      <a:pPr algn="just"/>
+                      <a:pPr algn="l"/>
                       <a:r>
-                        <a:rPr lang="pt-BR" dirty="0"/>
-                        <a:t>Wireless</a:t>
+                        <a:rPr lang="pt-BR" sz="1600" dirty="0"/>
+                        <a:t>Sem fio</a:t>
                       </a:r>
                     </a:p>
                   </a:txBody>
@@ -7515,14 +7513,14 @@
             <p:ph idx="1"/>
             <p:extLst>
               <p:ext uri="{D42A27DB-BD31-4B8C-83A1-F6EECF244321}">
-                <p14:modId xmlns:p14="http://schemas.microsoft.com/office/powerpoint/2010/main" val="3725883023"/>
+                <p14:modId xmlns:p14="http://schemas.microsoft.com/office/powerpoint/2010/main" val="4264470260"/>
               </p:ext>
             </p:extLst>
           </p:nvPr>
         </p:nvGraphicFramePr>
         <p:xfrm>
-          <a:off x="1103684" y="1404938"/>
-          <a:ext cx="8947150" cy="5212080"/>
+          <a:off x="646111" y="1404938"/>
+          <a:ext cx="9404724" cy="5034280"/>
         </p:xfrm>
         <a:graphic>
           <a:graphicData uri="http://schemas.openxmlformats.org/drawingml/2006/table">
@@ -7531,14 +7529,14 @@
                 <a:tableStyleId>{5C22544A-7EE6-4342-B048-85BDC9FD1C3A}</a:tableStyleId>
               </a:tblPr>
               <a:tblGrid>
-                <a:gridCol w="4473575">
+                <a:gridCol w="4702362">
                   <a:extLst>
                     <a:ext uri="{9D8B030D-6E8A-4147-A177-3AD203B41FA5}">
                       <a16:colId xmlns:a16="http://schemas.microsoft.com/office/drawing/2014/main" val="2243281744"/>
                     </a:ext>
                   </a:extLst>
                 </a:gridCol>
-                <a:gridCol w="4473575">
+                <a:gridCol w="4702362">
                   <a:extLst>
                     <a:ext uri="{9D8B030D-6E8A-4147-A177-3AD203B41FA5}">
                       <a16:colId xmlns:a16="http://schemas.microsoft.com/office/drawing/2014/main" val="2995796224"/>
@@ -7555,11 +7553,11 @@
                       <a:pPr algn="ctr"/>
                       <a:r>
                         <a:rPr lang="pt-BR" dirty="0"/>
-                        <a:t>Pros</a:t>
+                        <a:t>Prós</a:t>
                       </a:r>
                     </a:p>
                   </a:txBody>
-                  <a:tcPr marL="116702" marR="116702" marT="137160" marB="137160"/>
+                  <a:tcPr/>
                 </a:tc>
                 <a:tc>
                   <a:txBody>
@@ -7569,11 +7567,11 @@
                       <a:pPr algn="ctr"/>
                       <a:r>
                         <a:rPr lang="pt-BR" dirty="0"/>
-                        <a:t>Cons</a:t>
+                        <a:t>Contras</a:t>
                       </a:r>
                     </a:p>
                   </a:txBody>
-                  <a:tcPr marL="116702" marR="116702" marT="137160" marB="137160"/>
+                  <a:tcPr/>
                 </a:tc>
                 <a:extLst>
                   <a:ext uri="{0D108BD9-81ED-4DB2-BD59-A6C34878D82A}">
@@ -7587,28 +7585,29 @@
                     <a:bodyPr/>
                     <a:lstStyle/>
                     <a:p>
-                      <a:pPr algn="just"/>
+                      <a:pPr algn="l"/>
                       <a:r>
                         <a:rPr lang="pt-BR" dirty="0"/>
-                        <a:t>Reduces amount of data sent to the cloud</a:t>
+                        <a:t>Reduz a quantidade de dados que são mandados para a nuvem</a:t>
                       </a:r>
                     </a:p>
                   </a:txBody>
-                  <a:tcPr marL="116702" marR="116702" marT="137160" marB="137160"/>
+                  <a:tcPr/>
                 </a:tc>
                 <a:tc>
                   <a:txBody>
                     <a:bodyPr/>
                     <a:lstStyle/>
                     <a:p>
-                      <a:pPr algn="just"/>
+                      <a:pPr algn="l"/>
                       <a:r>
-                        <a:rPr lang="pt-BR" dirty="0"/>
-                        <a:t>Physical location takes away from the anytime, anywhere, any data benefit of the cloud</a:t>
+                        <a:rPr lang="pt-PT" dirty="0"/>
+                        <a:t>A localização física tira de qualquer momento, em qualquer lugar, qualquer benefício de dados da nuvem</a:t>
                       </a:r>
+                      <a:endParaRPr lang="pt-BR" dirty="0"/>
                     </a:p>
                   </a:txBody>
-                  <a:tcPr marL="116702" marR="116702" marT="137160" marB="137160"/>
+                  <a:tcPr/>
                 </a:tc>
                 <a:extLst>
                   <a:ext uri="{0D108BD9-81ED-4DB2-BD59-A6C34878D82A}">
@@ -7622,35 +7621,28 @@
                     <a:bodyPr/>
                     <a:lstStyle/>
                     <a:p>
-                      <a:pPr algn="just"/>
+                      <a:pPr algn="l"/>
                       <a:r>
                         <a:rPr lang="pt-BR" dirty="0"/>
-                        <a:t>Conserver network bandwidth</a:t>
+                        <a:t>Conserva a largura de banda da rede</a:t>
                       </a:r>
                     </a:p>
                   </a:txBody>
-                  <a:tcPr marL="116702" marR="116702" marT="137160" marB="137160"/>
+                  <a:tcPr/>
                 </a:tc>
                 <a:tc>
                   <a:txBody>
                     <a:bodyPr/>
                     <a:lstStyle/>
                     <a:p>
-                      <a:pPr algn="just"/>
+                      <a:pPr algn="l"/>
                       <a:r>
                         <a:rPr lang="pt-BR" dirty="0"/>
-                        <a:t>Security issues: IP address spoofing,</a:t>
-                      </a:r>
-                    </a:p>
-                    <a:p>
-                      <a:pPr algn="just"/>
-                      <a:r>
-                        <a:rPr lang="pt-BR" dirty="0"/>
-                        <a:t>man-in-the-middle attacks</a:t>
+                        <a:t>Problemas com a segurança: mascarar endereços IP, ataques do homem-do-meio</a:t>
                       </a:r>
                     </a:p>
                   </a:txBody>
-                  <a:tcPr marL="116702" marR="116702" marT="137160" marB="137160"/>
+                  <a:tcPr/>
                 </a:tc>
                 <a:extLst>
                   <a:ext uri="{0D108BD9-81ED-4DB2-BD59-A6C34878D82A}">
@@ -7664,28 +7656,28 @@
                     <a:bodyPr/>
                     <a:lstStyle/>
                     <a:p>
-                      <a:pPr algn="just"/>
+                      <a:pPr algn="l"/>
                       <a:r>
                         <a:rPr lang="pt-BR" dirty="0"/>
-                        <a:t>Improves system response time</a:t>
+                        <a:t>Melhora o tempo de resposta do sistema</a:t>
                       </a:r>
                     </a:p>
                   </a:txBody>
-                  <a:tcPr marL="116702" marR="116702" marT="137160" marB="137160"/>
+                  <a:tcPr/>
                 </a:tc>
                 <a:tc>
                   <a:txBody>
                     <a:bodyPr/>
                     <a:lstStyle/>
                     <a:p>
-                      <a:pPr algn="just"/>
+                      <a:pPr algn="l"/>
                       <a:r>
                         <a:rPr lang="pt-BR" dirty="0"/>
-                        <a:t>Privacy issues</a:t>
+                        <a:t>Problemas de privacidade</a:t>
                       </a:r>
                     </a:p>
                   </a:txBody>
-                  <a:tcPr marL="116702" marR="116702" marT="137160" marB="137160"/>
+                  <a:tcPr/>
                 </a:tc>
                 <a:extLst>
                   <a:ext uri="{0D108BD9-81ED-4DB2-BD59-A6C34878D82A}">
@@ -7699,28 +7691,28 @@
                     <a:bodyPr/>
                     <a:lstStyle/>
                     <a:p>
-                      <a:pPr algn="just"/>
+                      <a:pPr algn="l"/>
                       <a:r>
                         <a:rPr lang="pt-BR" dirty="0"/>
-                        <a:t>Improves security by keeping data close to the edge</a:t>
+                        <a:t>Melhora a segurança por ficar mantendo os dados perto da borda (edge)</a:t>
                       </a:r>
                     </a:p>
                   </a:txBody>
-                  <a:tcPr marL="116702" marR="116702" marT="137160" marB="137160"/>
+                  <a:tcPr/>
                 </a:tc>
                 <a:tc>
                   <a:txBody>
                     <a:bodyPr/>
                     <a:lstStyle/>
                     <a:p>
-                      <a:pPr algn="just"/>
+                      <a:pPr algn="l"/>
                       <a:r>
                         <a:rPr lang="pt-BR" dirty="0"/>
-                        <a:t>Availability/cost of fog equipment/hardware</a:t>
+                        <a:t>Disponibilidade/custo do equipamento fog/hardware</a:t>
                       </a:r>
                     </a:p>
                   </a:txBody>
-                  <a:tcPr marL="116702" marR="116702" marT="137160" marB="137160"/>
+                  <a:tcPr/>
                 </a:tc>
                 <a:extLst>
                   <a:ext uri="{0D108BD9-81ED-4DB2-BD59-A6C34878D82A}">
@@ -7734,28 +7726,28 @@
                     <a:bodyPr/>
                     <a:lstStyle/>
                     <a:p>
-                      <a:pPr algn="just"/>
+                      <a:pPr algn="l"/>
                       <a:r>
                         <a:rPr lang="pt-BR" dirty="0"/>
-                        <a:t>Supports mobility</a:t>
+                        <a:t>Suporta mobilidade</a:t>
                       </a:r>
                     </a:p>
                   </a:txBody>
-                  <a:tcPr marL="116702" marR="116702" marT="137160" marB="137160"/>
+                  <a:tcPr/>
                 </a:tc>
                 <a:tc>
                   <a:txBody>
                     <a:bodyPr/>
                     <a:lstStyle/>
                     <a:p>
-                      <a:pPr algn="just"/>
+                      <a:pPr algn="l"/>
                       <a:r>
                         <a:rPr lang="pt-BR" dirty="0"/>
-                        <a:t>Trust and authentication concerns</a:t>
+                        <a:t>Problemas com confiança e autenticação</a:t>
                       </a:r>
                     </a:p>
                   </a:txBody>
-                  <a:tcPr marL="116702" marR="116702" marT="137160" marB="137160"/>
+                  <a:tcPr/>
                 </a:tc>
                 <a:extLst>
                   <a:ext uri="{0D108BD9-81ED-4DB2-BD59-A6C34878D82A}">
@@ -7769,28 +7761,28 @@
                     <a:bodyPr/>
                     <a:lstStyle/>
                     <a:p>
-                      <a:pPr algn="just"/>
+                      <a:pPr algn="l"/>
                       <a:r>
                         <a:rPr lang="pt-BR" dirty="0"/>
-                        <a:t>Minimizes network and internet latency</a:t>
+                        <a:t>Minimiza a latência da rede e da internet</a:t>
                       </a:r>
                     </a:p>
                   </a:txBody>
-                  <a:tcPr marL="116702" marR="116702" marT="137160" marB="137160"/>
+                  <a:tcPr/>
                 </a:tc>
                 <a:tc>
                   <a:txBody>
                     <a:bodyPr/>
                     <a:lstStyle/>
                     <a:p>
-                      <a:pPr algn="just"/>
+                      <a:pPr algn="l"/>
                       <a:r>
                         <a:rPr lang="pt-BR" dirty="0"/>
-                        <a:t>Wireless network security concerns</a:t>
+                        <a:t>Problemas de segurança da rede sem fio</a:t>
                       </a:r>
                     </a:p>
                   </a:txBody>
-                  <a:tcPr marL="116702" marR="116702" marT="137160" marB="137160"/>
+                  <a:tcPr/>
                 </a:tc>
                 <a:extLst>
                   <a:ext uri="{0D108BD9-81ED-4DB2-BD59-A6C34878D82A}">

--- a/Fog Computing.pptx
+++ b/Fog Computing.pptx
@@ -9,8 +9,8 @@
   </p:notesMasterIdLst>
   <p:sldIdLst>
     <p:sldId id="260" r:id="rId2"/>
-    <p:sldId id="261" r:id="rId3"/>
-    <p:sldId id="262" r:id="rId4"/>
+    <p:sldId id="262" r:id="rId3"/>
+    <p:sldId id="261" r:id="rId4"/>
     <p:sldId id="257" r:id="rId5"/>
     <p:sldId id="258" r:id="rId6"/>
     <p:sldId id="259" r:id="rId7"/>
@@ -112,6 +112,11 @@
       </a:defRPr>
     </a:lvl9pPr>
   </p:defaultTextStyle>
+  <p:extLst>
+    <p:ext uri="{EFAFB233-063F-42B5-8137-9DF3F51BA10A}">
+      <p15:sldGuideLst xmlns:p15="http://schemas.microsoft.com/office/powerpoint/2012/main"/>
+    </p:ext>
+  </p:extLst>
 </p:presentation>
 </file>
 
@@ -197,7 +202,7 @@
           <a:p>
             <a:fld id="{C13E0A61-89B0-4C2E-BB6B-00FD09AC3BB8}" type="datetimeFigureOut">
               <a:rPr lang="pt-BR" smtClean="0"/>
-              <a:t>22/11/2017</a:t>
+              <a:t>27/11/2017</a:t>
             </a:fld>
             <a:endParaRPr lang="pt-BR"/>
           </a:p>
@@ -650,7 +655,7 @@
           <a:p>
             <a:fld id="{157276A5-53AA-4CF2-BDC2-9F400ABA6844}" type="datetimeFigureOut">
               <a:rPr lang="pt-BR" smtClean="0"/>
-              <a:t>22/11/2017</a:t>
+              <a:t>27/11/2017</a:t>
             </a:fld>
             <a:endParaRPr lang="pt-BR"/>
           </a:p>
@@ -925,7 +930,7 @@
           <a:p>
             <a:fld id="{157276A5-53AA-4CF2-BDC2-9F400ABA6844}" type="datetimeFigureOut">
               <a:rPr lang="pt-BR" smtClean="0"/>
-              <a:t>22/11/2017</a:t>
+              <a:t>27/11/2017</a:t>
             </a:fld>
             <a:endParaRPr lang="pt-BR"/>
           </a:p>
@@ -1119,7 +1124,7 @@
           <a:p>
             <a:fld id="{157276A5-53AA-4CF2-BDC2-9F400ABA6844}" type="datetimeFigureOut">
               <a:rPr lang="pt-BR" smtClean="0"/>
-              <a:t>22/11/2017</a:t>
+              <a:t>27/11/2017</a:t>
             </a:fld>
             <a:endParaRPr lang="pt-BR"/>
           </a:p>
@@ -1392,7 +1397,7 @@
           <a:p>
             <a:fld id="{157276A5-53AA-4CF2-BDC2-9F400ABA6844}" type="datetimeFigureOut">
               <a:rPr lang="pt-BR" smtClean="0"/>
-              <a:t>22/11/2017</a:t>
+              <a:t>27/11/2017</a:t>
             </a:fld>
             <a:endParaRPr lang="pt-BR"/>
           </a:p>
@@ -1733,7 +1738,7 @@
           <a:p>
             <a:fld id="{157276A5-53AA-4CF2-BDC2-9F400ABA6844}" type="datetimeFigureOut">
               <a:rPr lang="pt-BR" smtClean="0"/>
-              <a:t>22/11/2017</a:t>
+              <a:t>27/11/2017</a:t>
             </a:fld>
             <a:endParaRPr lang="pt-BR"/>
           </a:p>
@@ -2356,7 +2361,7 @@
           <a:p>
             <a:fld id="{157276A5-53AA-4CF2-BDC2-9F400ABA6844}" type="datetimeFigureOut">
               <a:rPr lang="pt-BR" smtClean="0"/>
-              <a:t>22/11/2017</a:t>
+              <a:t>27/11/2017</a:t>
             </a:fld>
             <a:endParaRPr lang="pt-BR"/>
           </a:p>
@@ -3216,7 +3221,7 @@
           <a:p>
             <a:fld id="{157276A5-53AA-4CF2-BDC2-9F400ABA6844}" type="datetimeFigureOut">
               <a:rPr lang="pt-BR" smtClean="0"/>
-              <a:t>22/11/2017</a:t>
+              <a:t>27/11/2017</a:t>
             </a:fld>
             <a:endParaRPr lang="pt-BR"/>
           </a:p>
@@ -3386,7 +3391,7 @@
           <a:p>
             <a:fld id="{157276A5-53AA-4CF2-BDC2-9F400ABA6844}" type="datetimeFigureOut">
               <a:rPr lang="pt-BR" smtClean="0"/>
-              <a:t>22/11/2017</a:t>
+              <a:t>27/11/2017</a:t>
             </a:fld>
             <a:endParaRPr lang="pt-BR"/>
           </a:p>
@@ -3566,7 +3571,7 @@
           <a:p>
             <a:fld id="{157276A5-53AA-4CF2-BDC2-9F400ABA6844}" type="datetimeFigureOut">
               <a:rPr lang="pt-BR" smtClean="0"/>
-              <a:t>22/11/2017</a:t>
+              <a:t>27/11/2017</a:t>
             </a:fld>
             <a:endParaRPr lang="pt-BR"/>
           </a:p>
@@ -3736,7 +3741,7 @@
           <a:p>
             <a:fld id="{157276A5-53AA-4CF2-BDC2-9F400ABA6844}" type="datetimeFigureOut">
               <a:rPr lang="pt-BR" smtClean="0"/>
-              <a:t>22/11/2017</a:t>
+              <a:t>27/11/2017</a:t>
             </a:fld>
             <a:endParaRPr lang="pt-BR"/>
           </a:p>
@@ -3983,7 +3988,7 @@
           <a:p>
             <a:fld id="{157276A5-53AA-4CF2-BDC2-9F400ABA6844}" type="datetimeFigureOut">
               <a:rPr lang="pt-BR" smtClean="0"/>
-              <a:t>22/11/2017</a:t>
+              <a:t>27/11/2017</a:t>
             </a:fld>
             <a:endParaRPr lang="pt-BR"/>
           </a:p>
@@ -4275,7 +4280,7 @@
           <a:p>
             <a:fld id="{157276A5-53AA-4CF2-BDC2-9F400ABA6844}" type="datetimeFigureOut">
               <a:rPr lang="pt-BR" smtClean="0"/>
-              <a:t>22/11/2017</a:t>
+              <a:t>27/11/2017</a:t>
             </a:fld>
             <a:endParaRPr lang="pt-BR"/>
           </a:p>
@@ -4719,7 +4724,7 @@
           <a:p>
             <a:fld id="{157276A5-53AA-4CF2-BDC2-9F400ABA6844}" type="datetimeFigureOut">
               <a:rPr lang="pt-BR" smtClean="0"/>
-              <a:t>22/11/2017</a:t>
+              <a:t>27/11/2017</a:t>
             </a:fld>
             <a:endParaRPr lang="pt-BR"/>
           </a:p>
@@ -4837,7 +4842,7 @@
           <a:p>
             <a:fld id="{157276A5-53AA-4CF2-BDC2-9F400ABA6844}" type="datetimeFigureOut">
               <a:rPr lang="pt-BR" smtClean="0"/>
-              <a:t>22/11/2017</a:t>
+              <a:t>27/11/2017</a:t>
             </a:fld>
             <a:endParaRPr lang="pt-BR"/>
           </a:p>
@@ -4932,7 +4937,7 @@
           <a:p>
             <a:fld id="{157276A5-53AA-4CF2-BDC2-9F400ABA6844}" type="datetimeFigureOut">
               <a:rPr lang="pt-BR" smtClean="0"/>
-              <a:t>22/11/2017</a:t>
+              <a:t>27/11/2017</a:t>
             </a:fld>
             <a:endParaRPr lang="pt-BR"/>
           </a:p>
@@ -5211,7 +5216,7 @@
           <a:p>
             <a:fld id="{157276A5-53AA-4CF2-BDC2-9F400ABA6844}" type="datetimeFigureOut">
               <a:rPr lang="pt-BR" smtClean="0"/>
-              <a:t>22/11/2017</a:t>
+              <a:t>27/11/2017</a:t>
             </a:fld>
             <a:endParaRPr lang="pt-BR"/>
           </a:p>
@@ -5486,7 +5491,7 @@
           <a:p>
             <a:fld id="{157276A5-53AA-4CF2-BDC2-9F400ABA6844}" type="datetimeFigureOut">
               <a:rPr lang="pt-BR" smtClean="0"/>
-              <a:t>22/11/2017</a:t>
+              <a:t>27/11/2017</a:t>
             </a:fld>
             <a:endParaRPr lang="pt-BR"/>
           </a:p>
@@ -5915,7 +5920,7 @@
           <a:p>
             <a:fld id="{157276A5-53AA-4CF2-BDC2-9F400ABA6844}" type="datetimeFigureOut">
               <a:rPr lang="pt-BR" smtClean="0"/>
-              <a:t>22/11/2017</a:t>
+              <a:t>27/11/2017</a:t>
             </a:fld>
             <a:endParaRPr lang="pt-BR"/>
           </a:p>
@@ -6448,7 +6453,7 @@
           <p:cNvPr id="2" name="Título 1">
             <a:extLst>
               <a:ext uri="{FF2B5EF4-FFF2-40B4-BE49-F238E27FC236}">
-                <a16:creationId xmlns:a16="http://schemas.microsoft.com/office/drawing/2014/main" id="{223D5CD1-73B8-44BC-A89E-338CA86EFE3A}"/>
+                <a16:creationId xmlns="" xmlns:a16="http://schemas.microsoft.com/office/drawing/2014/main" id="{223D5CD1-73B8-44BC-A89E-338CA86EFE3A}"/>
               </a:ext>
             </a:extLst>
           </p:cNvPr>
@@ -6476,7 +6481,7 @@
           <p:cNvPr id="3" name="Subtítulo 2">
             <a:extLst>
               <a:ext uri="{FF2B5EF4-FFF2-40B4-BE49-F238E27FC236}">
-                <a16:creationId xmlns:a16="http://schemas.microsoft.com/office/drawing/2014/main" id="{450727D5-5639-496E-B3CE-5CC28C182DF9}"/>
+                <a16:creationId xmlns="" xmlns:a16="http://schemas.microsoft.com/office/drawing/2014/main" id="{450727D5-5639-496E-B3CE-5CC28C182DF9}"/>
               </a:ext>
             </a:extLst>
           </p:cNvPr>
@@ -6525,6 +6530,13 @@
   <p:clrMapOvr>
     <a:masterClrMapping/>
   </p:clrMapOvr>
+  <p:timing>
+    <p:tnLst>
+      <p:par>
+        <p:cTn id="1" dur="indefinite" restart="never" nodeType="tmRoot"/>
+      </p:par>
+    </p:tnLst>
+  </p:timing>
 </p:sld>
 </file>
 
@@ -6550,7 +6562,7 @@
           <p:cNvPr id="2" name="Título 1">
             <a:extLst>
               <a:ext uri="{FF2B5EF4-FFF2-40B4-BE49-F238E27FC236}">
-                <a16:creationId xmlns:a16="http://schemas.microsoft.com/office/drawing/2014/main" id="{678AF515-9CE6-4EA1-87AD-D5A6278886BA}"/>
+                <a16:creationId xmlns="" xmlns:a16="http://schemas.microsoft.com/office/drawing/2014/main" id="{F7607652-469B-418B-B295-78B8EA1C745B}"/>
               </a:ext>
             </a:extLst>
           </p:cNvPr>
@@ -6568,7 +6580,7 @@
           <a:p>
             <a:r>
               <a:rPr lang="pt-BR" dirty="0"/>
-              <a:t>Conceito</a:t>
+              <a:t>Problemática</a:t>
             </a:r>
           </a:p>
         </p:txBody>
@@ -6578,7 +6590,7 @@
           <p:cNvPr id="3" name="Espaço Reservado para Conteúdo 2">
             <a:extLst>
               <a:ext uri="{FF2B5EF4-FFF2-40B4-BE49-F238E27FC236}">
-                <a16:creationId xmlns:a16="http://schemas.microsoft.com/office/drawing/2014/main" id="{49CFAF28-7C60-46EB-A54C-3B7664638418}"/>
+                <a16:creationId xmlns="" xmlns:a16="http://schemas.microsoft.com/office/drawing/2014/main" id="{3038978C-32DB-433E-A46D-62A9167D938F}"/>
               </a:ext>
             </a:extLst>
           </p:cNvPr>
@@ -6594,6 +6606,37 @@
           <a:bodyPr/>
           <a:lstStyle/>
           <a:p>
+            <a:r>
+              <a:rPr lang="pt-BR" dirty="0" smtClean="0"/>
+              <a:t>Volume de tráfego com a nuvem ve</a:t>
+            </a:r>
+            <a:r>
+              <a:rPr lang="pt-BR" dirty="0" smtClean="0"/>
+              <a:t>m aumentando</a:t>
+            </a:r>
+          </a:p>
+          <a:p>
+            <a:r>
+              <a:rPr lang="pt-BR" dirty="0" smtClean="0"/>
+              <a:t>Largura de banda e velocidade da conexão</a:t>
+            </a:r>
+          </a:p>
+          <a:p>
+            <a:r>
+              <a:rPr lang="pt-BR" dirty="0" smtClean="0"/>
+              <a:t>Expansão da </a:t>
+            </a:r>
+            <a:r>
+              <a:rPr lang="pt-BR" dirty="0" err="1" smtClean="0"/>
+              <a:t>IoT</a:t>
+            </a:r>
+            <a:endParaRPr lang="pt-BR" dirty="0" smtClean="0"/>
+          </a:p>
+          <a:p>
+            <a:r>
+              <a:rPr lang="pt-BR" dirty="0" smtClean="0"/>
+              <a:t>Tempo de resposta</a:t>
+            </a:r>
             <a:endParaRPr lang="pt-BR" dirty="0"/>
           </a:p>
         </p:txBody>
@@ -6601,13 +6644,20 @@
     </p:spTree>
     <p:extLst>
       <p:ext uri="{BB962C8B-B14F-4D97-AF65-F5344CB8AC3E}">
-        <p14:creationId xmlns:p14="http://schemas.microsoft.com/office/powerpoint/2010/main" val="2216344266"/>
+        <p14:creationId xmlns:p14="http://schemas.microsoft.com/office/powerpoint/2010/main" val="4134876466"/>
       </p:ext>
     </p:extLst>
   </p:cSld>
   <p:clrMapOvr>
     <a:masterClrMapping/>
   </p:clrMapOvr>
+  <p:timing>
+    <p:tnLst>
+      <p:par>
+        <p:cTn id="1" dur="indefinite" restart="never" nodeType="tmRoot"/>
+      </p:par>
+    </p:tnLst>
+  </p:timing>
 </p:sld>
 </file>
 
@@ -6633,7 +6683,7 @@
           <p:cNvPr id="2" name="Título 1">
             <a:extLst>
               <a:ext uri="{FF2B5EF4-FFF2-40B4-BE49-F238E27FC236}">
-                <a16:creationId xmlns:a16="http://schemas.microsoft.com/office/drawing/2014/main" id="{F7607652-469B-418B-B295-78B8EA1C745B}"/>
+                <a16:creationId xmlns="" xmlns:a16="http://schemas.microsoft.com/office/drawing/2014/main" id="{678AF515-9CE6-4EA1-87AD-D5A6278886BA}"/>
               </a:ext>
             </a:extLst>
           </p:cNvPr>
@@ -6651,8 +6701,13 @@
           <a:p>
             <a:r>
               <a:rPr lang="pt-BR" dirty="0"/>
-              <a:t>Problemática</a:t>
-            </a:r>
+              <a:t>Fog </a:t>
+            </a:r>
+            <a:r>
+              <a:rPr lang="pt-BR" dirty="0" err="1" smtClean="0"/>
+              <a:t>Computing</a:t>
+            </a:r>
+            <a:endParaRPr lang="pt-BR" dirty="0"/>
           </a:p>
         </p:txBody>
       </p:sp>
@@ -6661,7 +6716,7 @@
           <p:cNvPr id="3" name="Espaço Reservado para Conteúdo 2">
             <a:extLst>
               <a:ext uri="{FF2B5EF4-FFF2-40B4-BE49-F238E27FC236}">
-                <a16:creationId xmlns:a16="http://schemas.microsoft.com/office/drawing/2014/main" id="{3038978C-32DB-433E-A46D-62A9167D938F}"/>
+                <a16:creationId xmlns="" xmlns:a16="http://schemas.microsoft.com/office/drawing/2014/main" id="{49CFAF28-7C60-46EB-A54C-3B7664638418}"/>
               </a:ext>
             </a:extLst>
           </p:cNvPr>
@@ -6677,20 +6732,122 @@
           <a:bodyPr/>
           <a:lstStyle/>
           <a:p>
-            <a:endParaRPr lang="pt-BR"/>
-          </a:p>
-        </p:txBody>
-      </p:sp>
+            <a:r>
+              <a:rPr lang="pt-BR" dirty="0"/>
+              <a:t>A fog </a:t>
+            </a:r>
+            <a:r>
+              <a:rPr lang="pt-BR" dirty="0" err="1" smtClean="0"/>
+              <a:t>computing</a:t>
+            </a:r>
+            <a:r>
+              <a:rPr lang="pt-BR" dirty="0"/>
+              <a:t> (computação em névoa</a:t>
+            </a:r>
+            <a:r>
+              <a:rPr lang="pt-BR" dirty="0" smtClean="0"/>
+              <a:t>)</a:t>
+            </a:r>
+            <a:r>
+              <a:rPr lang="pt-BR" dirty="0"/>
+              <a:t> </a:t>
+            </a:r>
+            <a:r>
+              <a:rPr lang="pt-BR" dirty="0" smtClean="0"/>
+              <a:t>é uma arquitetura computacional descentralizada, </a:t>
+            </a:r>
+            <a:r>
+              <a:rPr lang="pt-BR" dirty="0"/>
+              <a:t>permitindo um processamento, análise e armazenamento de dados de forma mais </a:t>
+            </a:r>
+            <a:r>
+              <a:rPr lang="pt-BR" dirty="0" smtClean="0"/>
+              <a:t>ágil em uma camada intermediária entre a nuvem e o hardware.</a:t>
+            </a:r>
+            <a:endParaRPr lang="pt-BR" dirty="0"/>
+          </a:p>
+          <a:p>
+            <a:r>
+              <a:rPr lang="pt-BR" dirty="0" smtClean="0"/>
+              <a:t>Mantem os dados mais próximo do "chão", </a:t>
+            </a:r>
+            <a:r>
+              <a:rPr lang="pt-BR" dirty="0"/>
+              <a:t>em computadores e dispositivos locais, em vez de rotear tudo </a:t>
+            </a:r>
+            <a:r>
+              <a:rPr lang="pt-BR" dirty="0" smtClean="0"/>
+              <a:t>para um data center na nuvem, e transferir os dados que mais interessa.</a:t>
+            </a:r>
+            <a:endParaRPr lang="pt-BR" dirty="0"/>
+          </a:p>
+        </p:txBody>
+      </p:sp>
+      <p:pic>
+        <p:nvPicPr>
+          <p:cNvPr id="4" name="Imagem 3"/>
+          <p:cNvPicPr>
+            <a:picLocks noChangeAspect="1"/>
+          </p:cNvPicPr>
+          <p:nvPr/>
+        </p:nvPicPr>
+        <p:blipFill>
+          <a:blip r:embed="rId2"/>
+          <a:stretch>
+            <a:fillRect/>
+          </a:stretch>
+        </p:blipFill>
+        <p:spPr>
+          <a:xfrm>
+            <a:off x="3940452" y="4430333"/>
+            <a:ext cx="3272259" cy="2314141"/>
+          </a:xfrm>
+          <a:prstGeom prst="roundRect">
+            <a:avLst>
+              <a:gd name="adj" fmla="val 10023"/>
+            </a:avLst>
+          </a:prstGeom>
+          <a:ln>
+            <a:noFill/>
+          </a:ln>
+          <a:effectLst>
+            <a:outerShdw blurRad="76200" dist="38100" dir="7800000" algn="tl" rotWithShape="0">
+              <a:srgbClr val="000000">
+                <a:alpha val="40000"/>
+              </a:srgbClr>
+            </a:outerShdw>
+          </a:effectLst>
+          <a:scene3d>
+            <a:camera prst="orthographicFront"/>
+            <a:lightRig rig="contrasting" dir="t">
+              <a:rot lat="0" lon="0" rev="4200000"/>
+            </a:lightRig>
+          </a:scene3d>
+          <a:sp3d prstMaterial="plastic">
+            <a:bevelT w="381000" h="114300" prst="relaxedInset"/>
+            <a:contourClr>
+              <a:srgbClr val="969696"/>
+            </a:contourClr>
+          </a:sp3d>
+        </p:spPr>
+      </p:pic>
     </p:spTree>
     <p:extLst>
       <p:ext uri="{BB962C8B-B14F-4D97-AF65-F5344CB8AC3E}">
-        <p14:creationId xmlns:p14="http://schemas.microsoft.com/office/powerpoint/2010/main" val="4134876466"/>
+        <p14:creationId xmlns:p14="http://schemas.microsoft.com/office/powerpoint/2010/main" val="2216344266"/>
       </p:ext>
     </p:extLst>
   </p:cSld>
   <p:clrMapOvr>
     <a:masterClrMapping/>
   </p:clrMapOvr>
+  <p:timing>
+    <p:tnLst>
+      <p:par>
+        <p:cTn id="1" dur="indefinite" restart="never" nodeType="tmRoot"/>
+      </p:par>
+    </p:tnLst>
+  </p:timing>
 </p:sld>
 </file>
 
@@ -6716,7 +6873,7 @@
           <p:cNvPr id="2" name="Título 1">
             <a:extLst>
               <a:ext uri="{FF2B5EF4-FFF2-40B4-BE49-F238E27FC236}">
-                <a16:creationId xmlns:a16="http://schemas.microsoft.com/office/drawing/2014/main" id="{B83F8941-AE6D-430F-8DE2-0247F965B23B}"/>
+                <a16:creationId xmlns="" xmlns:a16="http://schemas.microsoft.com/office/drawing/2014/main" id="{B83F8941-AE6D-430F-8DE2-0247F965B23B}"/>
               </a:ext>
             </a:extLst>
           </p:cNvPr>
@@ -6749,7 +6906,7 @@
           <p:cNvPr id="4" name="Espaço Reservado para Conteúdo 3">
             <a:extLst>
               <a:ext uri="{FF2B5EF4-FFF2-40B4-BE49-F238E27FC236}">
-                <a16:creationId xmlns:a16="http://schemas.microsoft.com/office/drawing/2014/main" id="{63523DBF-5F8B-4C7C-9BC3-40171720D0D4}"/>
+                <a16:creationId xmlns="" xmlns:a16="http://schemas.microsoft.com/office/drawing/2014/main" id="{63523DBF-5F8B-4C7C-9BC3-40171720D0D4}"/>
               </a:ext>
             </a:extLst>
           </p:cNvPr>
@@ -6779,21 +6936,21 @@
                 <a:gridCol w="3134908">
                   <a:extLst>
                     <a:ext uri="{9D8B030D-6E8A-4147-A177-3AD203B41FA5}">
-                      <a16:colId xmlns:a16="http://schemas.microsoft.com/office/drawing/2014/main" val="4144113411"/>
+                      <a16:colId xmlns="" xmlns:a16="http://schemas.microsoft.com/office/drawing/2014/main" val="4144113411"/>
                     </a:ext>
                   </a:extLst>
                 </a:gridCol>
                 <a:gridCol w="3134908">
                   <a:extLst>
                     <a:ext uri="{9D8B030D-6E8A-4147-A177-3AD203B41FA5}">
-                      <a16:colId xmlns:a16="http://schemas.microsoft.com/office/drawing/2014/main" val="3389461439"/>
+                      <a16:colId xmlns="" xmlns:a16="http://schemas.microsoft.com/office/drawing/2014/main" val="3389461439"/>
                     </a:ext>
                   </a:extLst>
                 </a:gridCol>
                 <a:gridCol w="3134908">
                   <a:extLst>
                     <a:ext uri="{9D8B030D-6E8A-4147-A177-3AD203B41FA5}">
-                      <a16:colId xmlns:a16="http://schemas.microsoft.com/office/drawing/2014/main" val="2723774629"/>
+                      <a16:colId xmlns="" xmlns:a16="http://schemas.microsoft.com/office/drawing/2014/main" val="2723774629"/>
                     </a:ext>
                   </a:extLst>
                 </a:gridCol>
@@ -6843,7 +7000,7 @@
                 </a:tc>
                 <a:extLst>
                   <a:ext uri="{0D108BD9-81ED-4DB2-BD59-A6C34878D82A}">
-                    <a16:rowId xmlns:a16="http://schemas.microsoft.com/office/drawing/2014/main" val="1645035638"/>
+                    <a16:rowId xmlns="" xmlns:a16="http://schemas.microsoft.com/office/drawing/2014/main" val="1645035638"/>
                   </a:ext>
                 </a:extLst>
               </a:tr>
@@ -6892,7 +7049,7 @@
                 </a:tc>
                 <a:extLst>
                   <a:ext uri="{0D108BD9-81ED-4DB2-BD59-A6C34878D82A}">
-                    <a16:rowId xmlns:a16="http://schemas.microsoft.com/office/drawing/2014/main" val="3913610691"/>
+                    <a16:rowId xmlns="" xmlns:a16="http://schemas.microsoft.com/office/drawing/2014/main" val="3913610691"/>
                   </a:ext>
                 </a:extLst>
               </a:tr>
@@ -6941,7 +7098,7 @@
                 </a:tc>
                 <a:extLst>
                   <a:ext uri="{0D108BD9-81ED-4DB2-BD59-A6C34878D82A}">
-                    <a16:rowId xmlns:a16="http://schemas.microsoft.com/office/drawing/2014/main" val="4143329168"/>
+                    <a16:rowId xmlns="" xmlns:a16="http://schemas.microsoft.com/office/drawing/2014/main" val="4143329168"/>
                   </a:ext>
                 </a:extLst>
               </a:tr>
@@ -6990,7 +7147,7 @@
                 </a:tc>
                 <a:extLst>
                   <a:ext uri="{0D108BD9-81ED-4DB2-BD59-A6C34878D82A}">
-                    <a16:rowId xmlns:a16="http://schemas.microsoft.com/office/drawing/2014/main" val="359655241"/>
+                    <a16:rowId xmlns="" xmlns:a16="http://schemas.microsoft.com/office/drawing/2014/main" val="359655241"/>
                   </a:ext>
                 </a:extLst>
               </a:tr>
@@ -7039,7 +7196,7 @@
                 </a:tc>
                 <a:extLst>
                   <a:ext uri="{0D108BD9-81ED-4DB2-BD59-A6C34878D82A}">
-                    <a16:rowId xmlns:a16="http://schemas.microsoft.com/office/drawing/2014/main" val="334185147"/>
+                    <a16:rowId xmlns="" xmlns:a16="http://schemas.microsoft.com/office/drawing/2014/main" val="334185147"/>
                   </a:ext>
                 </a:extLst>
               </a:tr>
@@ -7088,7 +7245,7 @@
                 </a:tc>
                 <a:extLst>
                   <a:ext uri="{0D108BD9-81ED-4DB2-BD59-A6C34878D82A}">
-                    <a16:rowId xmlns:a16="http://schemas.microsoft.com/office/drawing/2014/main" val="473385853"/>
+                    <a16:rowId xmlns="" xmlns:a16="http://schemas.microsoft.com/office/drawing/2014/main" val="473385853"/>
                   </a:ext>
                 </a:extLst>
               </a:tr>
@@ -7137,7 +7294,7 @@
                 </a:tc>
                 <a:extLst>
                   <a:ext uri="{0D108BD9-81ED-4DB2-BD59-A6C34878D82A}">
-                    <a16:rowId xmlns:a16="http://schemas.microsoft.com/office/drawing/2014/main" val="176966939"/>
+                    <a16:rowId xmlns="" xmlns:a16="http://schemas.microsoft.com/office/drawing/2014/main" val="176966939"/>
                   </a:ext>
                 </a:extLst>
               </a:tr>
@@ -7186,7 +7343,7 @@
                 </a:tc>
                 <a:extLst>
                   <a:ext uri="{0D108BD9-81ED-4DB2-BD59-A6C34878D82A}">
-                    <a16:rowId xmlns:a16="http://schemas.microsoft.com/office/drawing/2014/main" val="3367505840"/>
+                    <a16:rowId xmlns="" xmlns:a16="http://schemas.microsoft.com/office/drawing/2014/main" val="3367505840"/>
                   </a:ext>
                 </a:extLst>
               </a:tr>
@@ -7235,7 +7392,7 @@
                 </a:tc>
                 <a:extLst>
                   <a:ext uri="{0D108BD9-81ED-4DB2-BD59-A6C34878D82A}">
-                    <a16:rowId xmlns:a16="http://schemas.microsoft.com/office/drawing/2014/main" val="1323265505"/>
+                    <a16:rowId xmlns="" xmlns:a16="http://schemas.microsoft.com/office/drawing/2014/main" val="1323265505"/>
                   </a:ext>
                 </a:extLst>
               </a:tr>
@@ -7284,7 +7441,7 @@
                 </a:tc>
                 <a:extLst>
                   <a:ext uri="{0D108BD9-81ED-4DB2-BD59-A6C34878D82A}">
-                    <a16:rowId xmlns:a16="http://schemas.microsoft.com/office/drawing/2014/main" val="1809725230"/>
+                    <a16:rowId xmlns="" xmlns:a16="http://schemas.microsoft.com/office/drawing/2014/main" val="1809725230"/>
                   </a:ext>
                 </a:extLst>
               </a:tr>
@@ -7333,7 +7490,7 @@
                 </a:tc>
                 <a:extLst>
                   <a:ext uri="{0D108BD9-81ED-4DB2-BD59-A6C34878D82A}">
-                    <a16:rowId xmlns:a16="http://schemas.microsoft.com/office/drawing/2014/main" val="3324681038"/>
+                    <a16:rowId xmlns="" xmlns:a16="http://schemas.microsoft.com/office/drawing/2014/main" val="3324681038"/>
                   </a:ext>
                 </a:extLst>
               </a:tr>
@@ -7382,7 +7539,7 @@
                 </a:tc>
                 <a:extLst>
                   <a:ext uri="{0D108BD9-81ED-4DB2-BD59-A6C34878D82A}">
-                    <a16:rowId xmlns:a16="http://schemas.microsoft.com/office/drawing/2014/main" val="110761079"/>
+                    <a16:rowId xmlns="" xmlns:a16="http://schemas.microsoft.com/office/drawing/2014/main" val="110761079"/>
                   </a:ext>
                 </a:extLst>
               </a:tr>
@@ -7431,7 +7588,7 @@
                 </a:tc>
                 <a:extLst>
                   <a:ext uri="{0D108BD9-81ED-4DB2-BD59-A6C34878D82A}">
-                    <a16:rowId xmlns:a16="http://schemas.microsoft.com/office/drawing/2014/main" val="530345133"/>
+                    <a16:rowId xmlns="" xmlns:a16="http://schemas.microsoft.com/office/drawing/2014/main" val="530345133"/>
                   </a:ext>
                 </a:extLst>
               </a:tr>
@@ -7449,6 +7606,13 @@
   <p:clrMapOvr>
     <a:masterClrMapping/>
   </p:clrMapOvr>
+  <p:timing>
+    <p:tnLst>
+      <p:par>
+        <p:cTn id="1" dur="indefinite" restart="never" nodeType="tmRoot"/>
+      </p:par>
+    </p:tnLst>
+  </p:timing>
 </p:sld>
 </file>
 
@@ -7474,7 +7638,7 @@
           <p:cNvPr id="2" name="Título 1">
             <a:extLst>
               <a:ext uri="{FF2B5EF4-FFF2-40B4-BE49-F238E27FC236}">
-                <a16:creationId xmlns:a16="http://schemas.microsoft.com/office/drawing/2014/main" id="{C1184FBC-0334-4157-BC37-27C990E3D53C}"/>
+                <a16:creationId xmlns="" xmlns:a16="http://schemas.microsoft.com/office/drawing/2014/main" id="{C1184FBC-0334-4157-BC37-27C990E3D53C}"/>
               </a:ext>
             </a:extLst>
           </p:cNvPr>
@@ -7502,7 +7666,7 @@
           <p:cNvPr id="4" name="Espaço Reservado para Conteúdo 3">
             <a:extLst>
               <a:ext uri="{FF2B5EF4-FFF2-40B4-BE49-F238E27FC236}">
-                <a16:creationId xmlns:a16="http://schemas.microsoft.com/office/drawing/2014/main" id="{804AFD8E-AB19-487B-A7ED-5733C3E4BDC5}"/>
+                <a16:creationId xmlns="" xmlns:a16="http://schemas.microsoft.com/office/drawing/2014/main" id="{804AFD8E-AB19-487B-A7ED-5733C3E4BDC5}"/>
               </a:ext>
             </a:extLst>
           </p:cNvPr>
@@ -7532,14 +7696,14 @@
                 <a:gridCol w="4702362">
                   <a:extLst>
                     <a:ext uri="{9D8B030D-6E8A-4147-A177-3AD203B41FA5}">
-                      <a16:colId xmlns:a16="http://schemas.microsoft.com/office/drawing/2014/main" val="2243281744"/>
+                      <a16:colId xmlns="" xmlns:a16="http://schemas.microsoft.com/office/drawing/2014/main" val="2243281744"/>
                     </a:ext>
                   </a:extLst>
                 </a:gridCol>
                 <a:gridCol w="4702362">
                   <a:extLst>
                     <a:ext uri="{9D8B030D-6E8A-4147-A177-3AD203B41FA5}">
-                      <a16:colId xmlns:a16="http://schemas.microsoft.com/office/drawing/2014/main" val="2995796224"/>
+                      <a16:colId xmlns="" xmlns:a16="http://schemas.microsoft.com/office/drawing/2014/main" val="2995796224"/>
                     </a:ext>
                   </a:extLst>
                 </a:gridCol>
@@ -7575,7 +7739,7 @@
                 </a:tc>
                 <a:extLst>
                   <a:ext uri="{0D108BD9-81ED-4DB2-BD59-A6C34878D82A}">
-                    <a16:rowId xmlns:a16="http://schemas.microsoft.com/office/drawing/2014/main" val="4287319692"/>
+                    <a16:rowId xmlns="" xmlns:a16="http://schemas.microsoft.com/office/drawing/2014/main" val="4287319692"/>
                   </a:ext>
                 </a:extLst>
               </a:tr>
@@ -7611,7 +7775,7 @@
                 </a:tc>
                 <a:extLst>
                   <a:ext uri="{0D108BD9-81ED-4DB2-BD59-A6C34878D82A}">
-                    <a16:rowId xmlns:a16="http://schemas.microsoft.com/office/drawing/2014/main" val="3412430253"/>
+                    <a16:rowId xmlns="" xmlns:a16="http://schemas.microsoft.com/office/drawing/2014/main" val="3412430253"/>
                   </a:ext>
                 </a:extLst>
               </a:tr>
@@ -7646,7 +7810,7 @@
                 </a:tc>
                 <a:extLst>
                   <a:ext uri="{0D108BD9-81ED-4DB2-BD59-A6C34878D82A}">
-                    <a16:rowId xmlns:a16="http://schemas.microsoft.com/office/drawing/2014/main" val="1930365859"/>
+                    <a16:rowId xmlns="" xmlns:a16="http://schemas.microsoft.com/office/drawing/2014/main" val="1930365859"/>
                   </a:ext>
                 </a:extLst>
               </a:tr>
@@ -7681,7 +7845,7 @@
                 </a:tc>
                 <a:extLst>
                   <a:ext uri="{0D108BD9-81ED-4DB2-BD59-A6C34878D82A}">
-                    <a16:rowId xmlns:a16="http://schemas.microsoft.com/office/drawing/2014/main" val="3426877043"/>
+                    <a16:rowId xmlns="" xmlns:a16="http://schemas.microsoft.com/office/drawing/2014/main" val="3426877043"/>
                   </a:ext>
                 </a:extLst>
               </a:tr>
@@ -7716,7 +7880,7 @@
                 </a:tc>
                 <a:extLst>
                   <a:ext uri="{0D108BD9-81ED-4DB2-BD59-A6C34878D82A}">
-                    <a16:rowId xmlns:a16="http://schemas.microsoft.com/office/drawing/2014/main" val="493661778"/>
+                    <a16:rowId xmlns="" xmlns:a16="http://schemas.microsoft.com/office/drawing/2014/main" val="493661778"/>
                   </a:ext>
                 </a:extLst>
               </a:tr>
@@ -7751,7 +7915,7 @@
                 </a:tc>
                 <a:extLst>
                   <a:ext uri="{0D108BD9-81ED-4DB2-BD59-A6C34878D82A}">
-                    <a16:rowId xmlns:a16="http://schemas.microsoft.com/office/drawing/2014/main" val="447815799"/>
+                    <a16:rowId xmlns="" xmlns:a16="http://schemas.microsoft.com/office/drawing/2014/main" val="447815799"/>
                   </a:ext>
                 </a:extLst>
               </a:tr>
@@ -7786,7 +7950,7 @@
                 </a:tc>
                 <a:extLst>
                   <a:ext uri="{0D108BD9-81ED-4DB2-BD59-A6C34878D82A}">
-                    <a16:rowId xmlns:a16="http://schemas.microsoft.com/office/drawing/2014/main" val="3307656635"/>
+                    <a16:rowId xmlns="" xmlns:a16="http://schemas.microsoft.com/office/drawing/2014/main" val="3307656635"/>
                   </a:ext>
                 </a:extLst>
               </a:tr>
@@ -7804,6 +7968,13 @@
   <p:clrMapOvr>
     <a:masterClrMapping/>
   </p:clrMapOvr>
+  <p:timing>
+    <p:tnLst>
+      <p:par>
+        <p:cTn id="1" dur="indefinite" restart="never" nodeType="tmRoot"/>
+      </p:par>
+    </p:tnLst>
+  </p:timing>
 </p:sld>
 </file>
 
@@ -7829,7 +8000,7 @@
           <p:cNvPr id="10" name="Espaço Reservado para Conteúdo 9">
             <a:extLst>
               <a:ext uri="{FF2B5EF4-FFF2-40B4-BE49-F238E27FC236}">
-                <a16:creationId xmlns:a16="http://schemas.microsoft.com/office/drawing/2014/main" id="{10A36F22-330D-46AD-AEA9-EE2CDF13B013}"/>
+                <a16:creationId xmlns="" xmlns:a16="http://schemas.microsoft.com/office/drawing/2014/main" id="{10A36F22-330D-46AD-AEA9-EE2CDF13B013}"/>
               </a:ext>
             </a:extLst>
           </p:cNvPr>
@@ -7869,6 +8040,13 @@
   <p:clrMapOvr>
     <a:masterClrMapping/>
   </p:clrMapOvr>
+  <p:timing>
+    <p:tnLst>
+      <p:par>
+        <p:cTn id="1" dur="indefinite" restart="never" nodeType="tmRoot"/>
+      </p:par>
+    </p:tnLst>
+  </p:timing>
 </p:sld>
 </file>
 

--- a/Fog Computing.pptx
+++ b/Fog Computing.pptx
@@ -5,15 +5,17 @@
     <p:sldMasterId id="2147483678" r:id="rId1"/>
   </p:sldMasterIdLst>
   <p:notesMasterIdLst>
-    <p:notesMasterId r:id="rId8"/>
+    <p:notesMasterId r:id="rId10"/>
   </p:notesMasterIdLst>
   <p:sldIdLst>
     <p:sldId id="260" r:id="rId2"/>
     <p:sldId id="262" r:id="rId3"/>
     <p:sldId id="261" r:id="rId4"/>
-    <p:sldId id="257" r:id="rId5"/>
-    <p:sldId id="258" r:id="rId6"/>
-    <p:sldId id="259" r:id="rId7"/>
+    <p:sldId id="263" r:id="rId5"/>
+    <p:sldId id="257" r:id="rId6"/>
+    <p:sldId id="258" r:id="rId7"/>
+    <p:sldId id="259" r:id="rId8"/>
+    <p:sldId id="264" r:id="rId9"/>
   </p:sldIdLst>
   <p:sldSz cx="12192000" cy="6858000"/>
   <p:notesSz cx="6858000" cy="9144000"/>
@@ -120,6 +122,10 @@
 </p:presentation>
 </file>
 
+<file path=ppt/revisionInfo.xml><?xml version="1.0" encoding="utf-8"?>
+<p1510:revInfo xmlns:a="http://schemas.openxmlformats.org/drawingml/2006/main" xmlns:r="http://schemas.openxmlformats.org/officeDocument/2006/relationships" xmlns:p1510="http://schemas.microsoft.com/office/powerpoint/2015/10/main"/>
+</file>
+
 <file path=ppt/notesMasters/notesMaster1.xml><?xml version="1.0" encoding="utf-8"?>
 <p:notesMaster xmlns:a="http://schemas.openxmlformats.org/drawingml/2006/main" xmlns:r="http://schemas.openxmlformats.org/officeDocument/2006/relationships" xmlns:p="http://schemas.openxmlformats.org/presentationml/2006/main">
   <p:cSld>
@@ -202,7 +208,7 @@
           <a:p>
             <a:fld id="{C13E0A61-89B0-4C2E-BB6B-00FD09AC3BB8}" type="datetimeFigureOut">
               <a:rPr lang="pt-BR" smtClean="0"/>
-              <a:t>27/11/2017</a:t>
+              <a:t>28/11/2017</a:t>
             </a:fld>
             <a:endParaRPr lang="pt-BR"/>
           </a:p>
@@ -655,7 +661,7 @@
           <a:p>
             <a:fld id="{157276A5-53AA-4CF2-BDC2-9F400ABA6844}" type="datetimeFigureOut">
               <a:rPr lang="pt-BR" smtClean="0"/>
-              <a:t>27/11/2017</a:t>
+              <a:t>28/11/2017</a:t>
             </a:fld>
             <a:endParaRPr lang="pt-BR"/>
           </a:p>
@@ -930,7 +936,7 @@
           <a:p>
             <a:fld id="{157276A5-53AA-4CF2-BDC2-9F400ABA6844}" type="datetimeFigureOut">
               <a:rPr lang="pt-BR" smtClean="0"/>
-              <a:t>27/11/2017</a:t>
+              <a:t>28/11/2017</a:t>
             </a:fld>
             <a:endParaRPr lang="pt-BR"/>
           </a:p>
@@ -1124,7 +1130,7 @@
           <a:p>
             <a:fld id="{157276A5-53AA-4CF2-BDC2-9F400ABA6844}" type="datetimeFigureOut">
               <a:rPr lang="pt-BR" smtClean="0"/>
-              <a:t>27/11/2017</a:t>
+              <a:t>28/11/2017</a:t>
             </a:fld>
             <a:endParaRPr lang="pt-BR"/>
           </a:p>
@@ -1397,7 +1403,7 @@
           <a:p>
             <a:fld id="{157276A5-53AA-4CF2-BDC2-9F400ABA6844}" type="datetimeFigureOut">
               <a:rPr lang="pt-BR" smtClean="0"/>
-              <a:t>27/11/2017</a:t>
+              <a:t>28/11/2017</a:t>
             </a:fld>
             <a:endParaRPr lang="pt-BR"/>
           </a:p>
@@ -1738,7 +1744,7 @@
           <a:p>
             <a:fld id="{157276A5-53AA-4CF2-BDC2-9F400ABA6844}" type="datetimeFigureOut">
               <a:rPr lang="pt-BR" smtClean="0"/>
-              <a:t>27/11/2017</a:t>
+              <a:t>28/11/2017</a:t>
             </a:fld>
             <a:endParaRPr lang="pt-BR"/>
           </a:p>
@@ -2361,7 +2367,7 @@
           <a:p>
             <a:fld id="{157276A5-53AA-4CF2-BDC2-9F400ABA6844}" type="datetimeFigureOut">
               <a:rPr lang="pt-BR" smtClean="0"/>
-              <a:t>27/11/2017</a:t>
+              <a:t>28/11/2017</a:t>
             </a:fld>
             <a:endParaRPr lang="pt-BR"/>
           </a:p>
@@ -3221,7 +3227,7 @@
           <a:p>
             <a:fld id="{157276A5-53AA-4CF2-BDC2-9F400ABA6844}" type="datetimeFigureOut">
               <a:rPr lang="pt-BR" smtClean="0"/>
-              <a:t>27/11/2017</a:t>
+              <a:t>28/11/2017</a:t>
             </a:fld>
             <a:endParaRPr lang="pt-BR"/>
           </a:p>
@@ -3391,7 +3397,7 @@
           <a:p>
             <a:fld id="{157276A5-53AA-4CF2-BDC2-9F400ABA6844}" type="datetimeFigureOut">
               <a:rPr lang="pt-BR" smtClean="0"/>
-              <a:t>27/11/2017</a:t>
+              <a:t>28/11/2017</a:t>
             </a:fld>
             <a:endParaRPr lang="pt-BR"/>
           </a:p>
@@ -3571,7 +3577,7 @@
           <a:p>
             <a:fld id="{157276A5-53AA-4CF2-BDC2-9F400ABA6844}" type="datetimeFigureOut">
               <a:rPr lang="pt-BR" smtClean="0"/>
-              <a:t>27/11/2017</a:t>
+              <a:t>28/11/2017</a:t>
             </a:fld>
             <a:endParaRPr lang="pt-BR"/>
           </a:p>
@@ -3741,7 +3747,7 @@
           <a:p>
             <a:fld id="{157276A5-53AA-4CF2-BDC2-9F400ABA6844}" type="datetimeFigureOut">
               <a:rPr lang="pt-BR" smtClean="0"/>
-              <a:t>27/11/2017</a:t>
+              <a:t>28/11/2017</a:t>
             </a:fld>
             <a:endParaRPr lang="pt-BR"/>
           </a:p>
@@ -3988,7 +3994,7 @@
           <a:p>
             <a:fld id="{157276A5-53AA-4CF2-BDC2-9F400ABA6844}" type="datetimeFigureOut">
               <a:rPr lang="pt-BR" smtClean="0"/>
-              <a:t>27/11/2017</a:t>
+              <a:t>28/11/2017</a:t>
             </a:fld>
             <a:endParaRPr lang="pt-BR"/>
           </a:p>
@@ -4280,7 +4286,7 @@
           <a:p>
             <a:fld id="{157276A5-53AA-4CF2-BDC2-9F400ABA6844}" type="datetimeFigureOut">
               <a:rPr lang="pt-BR" smtClean="0"/>
-              <a:t>27/11/2017</a:t>
+              <a:t>28/11/2017</a:t>
             </a:fld>
             <a:endParaRPr lang="pt-BR"/>
           </a:p>
@@ -4724,7 +4730,7 @@
           <a:p>
             <a:fld id="{157276A5-53AA-4CF2-BDC2-9F400ABA6844}" type="datetimeFigureOut">
               <a:rPr lang="pt-BR" smtClean="0"/>
-              <a:t>27/11/2017</a:t>
+              <a:t>28/11/2017</a:t>
             </a:fld>
             <a:endParaRPr lang="pt-BR"/>
           </a:p>
@@ -4842,7 +4848,7 @@
           <a:p>
             <a:fld id="{157276A5-53AA-4CF2-BDC2-9F400ABA6844}" type="datetimeFigureOut">
               <a:rPr lang="pt-BR" smtClean="0"/>
-              <a:t>27/11/2017</a:t>
+              <a:t>28/11/2017</a:t>
             </a:fld>
             <a:endParaRPr lang="pt-BR"/>
           </a:p>
@@ -4937,7 +4943,7 @@
           <a:p>
             <a:fld id="{157276A5-53AA-4CF2-BDC2-9F400ABA6844}" type="datetimeFigureOut">
               <a:rPr lang="pt-BR" smtClean="0"/>
-              <a:t>27/11/2017</a:t>
+              <a:t>28/11/2017</a:t>
             </a:fld>
             <a:endParaRPr lang="pt-BR"/>
           </a:p>
@@ -5216,7 +5222,7 @@
           <a:p>
             <a:fld id="{157276A5-53AA-4CF2-BDC2-9F400ABA6844}" type="datetimeFigureOut">
               <a:rPr lang="pt-BR" smtClean="0"/>
-              <a:t>27/11/2017</a:t>
+              <a:t>28/11/2017</a:t>
             </a:fld>
             <a:endParaRPr lang="pt-BR"/>
           </a:p>
@@ -5491,7 +5497,7 @@
           <a:p>
             <a:fld id="{157276A5-53AA-4CF2-BDC2-9F400ABA6844}" type="datetimeFigureOut">
               <a:rPr lang="pt-BR" smtClean="0"/>
-              <a:t>27/11/2017</a:t>
+              <a:t>28/11/2017</a:t>
             </a:fld>
             <a:endParaRPr lang="pt-BR"/>
           </a:p>
@@ -5920,7 +5926,7 @@
           <a:p>
             <a:fld id="{157276A5-53AA-4CF2-BDC2-9F400ABA6844}" type="datetimeFigureOut">
               <a:rPr lang="pt-BR" smtClean="0"/>
-              <a:t>27/11/2017</a:t>
+              <a:t>28/11/2017</a:t>
             </a:fld>
             <a:endParaRPr lang="pt-BR"/>
           </a:p>
@@ -6453,7 +6459,7 @@
           <p:cNvPr id="2" name="Título 1">
             <a:extLst>
               <a:ext uri="{FF2B5EF4-FFF2-40B4-BE49-F238E27FC236}">
-                <a16:creationId xmlns="" xmlns:a16="http://schemas.microsoft.com/office/drawing/2014/main" id="{223D5CD1-73B8-44BC-A89E-338CA86EFE3A}"/>
+                <a16:creationId xmlns:a16="http://schemas.microsoft.com/office/drawing/2014/main" id="{223D5CD1-73B8-44BC-A89E-338CA86EFE3A}"/>
               </a:ext>
             </a:extLst>
           </p:cNvPr>
@@ -6481,7 +6487,7 @@
           <p:cNvPr id="3" name="Subtítulo 2">
             <a:extLst>
               <a:ext uri="{FF2B5EF4-FFF2-40B4-BE49-F238E27FC236}">
-                <a16:creationId xmlns="" xmlns:a16="http://schemas.microsoft.com/office/drawing/2014/main" id="{450727D5-5639-496E-B3CE-5CC28C182DF9}"/>
+                <a16:creationId xmlns:a16="http://schemas.microsoft.com/office/drawing/2014/main" id="{450727D5-5639-496E-B3CE-5CC28C182DF9}"/>
               </a:ext>
             </a:extLst>
           </p:cNvPr>
@@ -6530,13 +6536,6 @@
   <p:clrMapOvr>
     <a:masterClrMapping/>
   </p:clrMapOvr>
-  <p:timing>
-    <p:tnLst>
-      <p:par>
-        <p:cTn id="1" dur="indefinite" restart="never" nodeType="tmRoot"/>
-      </p:par>
-    </p:tnLst>
-  </p:timing>
 </p:sld>
 </file>
 
@@ -6562,7 +6561,7 @@
           <p:cNvPr id="2" name="Título 1">
             <a:extLst>
               <a:ext uri="{FF2B5EF4-FFF2-40B4-BE49-F238E27FC236}">
-                <a16:creationId xmlns="" xmlns:a16="http://schemas.microsoft.com/office/drawing/2014/main" id="{F7607652-469B-418B-B295-78B8EA1C745B}"/>
+                <a16:creationId xmlns:a16="http://schemas.microsoft.com/office/drawing/2014/main" id="{F7607652-469B-418B-B295-78B8EA1C745B}"/>
               </a:ext>
             </a:extLst>
           </p:cNvPr>
@@ -6590,7 +6589,7 @@
           <p:cNvPr id="3" name="Espaço Reservado para Conteúdo 2">
             <a:extLst>
               <a:ext uri="{FF2B5EF4-FFF2-40B4-BE49-F238E27FC236}">
-                <a16:creationId xmlns="" xmlns:a16="http://schemas.microsoft.com/office/drawing/2014/main" id="{3038978C-32DB-433E-A46D-62A9167D938F}"/>
+                <a16:creationId xmlns:a16="http://schemas.microsoft.com/office/drawing/2014/main" id="{3038978C-32DB-433E-A46D-62A9167D938F}"/>
               </a:ext>
             </a:extLst>
           </p:cNvPr>
@@ -6607,37 +6606,32 @@
           <a:lstStyle/>
           <a:p>
             <a:r>
-              <a:rPr lang="pt-BR" dirty="0" smtClean="0"/>
-              <a:t>Volume de tráfego com a nuvem ve</a:t>
-            </a:r>
-            <a:r>
-              <a:rPr lang="pt-BR" dirty="0" smtClean="0"/>
-              <a:t>m aumentando</a:t>
-            </a:r>
-          </a:p>
-          <a:p>
-            <a:r>
-              <a:rPr lang="pt-BR" dirty="0" smtClean="0"/>
+              <a:rPr lang="pt-BR" dirty="0"/>
+              <a:t>Volume de tráfego com a nuvem vem aumentando</a:t>
+            </a:r>
+          </a:p>
+          <a:p>
+            <a:r>
+              <a:rPr lang="pt-BR" dirty="0"/>
               <a:t>Largura de banda e velocidade da conexão</a:t>
             </a:r>
           </a:p>
           <a:p>
             <a:r>
-              <a:rPr lang="pt-BR" dirty="0" smtClean="0"/>
+              <a:rPr lang="pt-BR" dirty="0"/>
               <a:t>Expansão da </a:t>
             </a:r>
             <a:r>
-              <a:rPr lang="pt-BR" dirty="0" err="1" smtClean="0"/>
+              <a:rPr lang="pt-BR" dirty="0" err="1"/>
               <a:t>IoT</a:t>
             </a:r>
-            <a:endParaRPr lang="pt-BR" dirty="0" smtClean="0"/>
-          </a:p>
-          <a:p>
-            <a:r>
-              <a:rPr lang="pt-BR" dirty="0" smtClean="0"/>
+            <a:endParaRPr lang="pt-BR" dirty="0"/>
+          </a:p>
+          <a:p>
+            <a:r>
+              <a:rPr lang="pt-BR" dirty="0"/>
               <a:t>Tempo de resposta</a:t>
             </a:r>
-            <a:endParaRPr lang="pt-BR" dirty="0"/>
           </a:p>
         </p:txBody>
       </p:sp>
@@ -6651,13 +6645,6 @@
   <p:clrMapOvr>
     <a:masterClrMapping/>
   </p:clrMapOvr>
-  <p:timing>
-    <p:tnLst>
-      <p:par>
-        <p:cTn id="1" dur="indefinite" restart="never" nodeType="tmRoot"/>
-      </p:par>
-    </p:tnLst>
-  </p:timing>
 </p:sld>
 </file>
 
@@ -6683,7 +6670,7 @@
           <p:cNvPr id="2" name="Título 1">
             <a:extLst>
               <a:ext uri="{FF2B5EF4-FFF2-40B4-BE49-F238E27FC236}">
-                <a16:creationId xmlns="" xmlns:a16="http://schemas.microsoft.com/office/drawing/2014/main" id="{678AF515-9CE6-4EA1-87AD-D5A6278886BA}"/>
+                <a16:creationId xmlns:a16="http://schemas.microsoft.com/office/drawing/2014/main" id="{678AF515-9CE6-4EA1-87AD-D5A6278886BA}"/>
               </a:ext>
             </a:extLst>
           </p:cNvPr>
@@ -6704,7 +6691,7 @@
               <a:t>Fog </a:t>
             </a:r>
             <a:r>
-              <a:rPr lang="pt-BR" dirty="0" err="1" smtClean="0"/>
+              <a:rPr lang="pt-BR" dirty="0" err="1"/>
               <a:t>Computing</a:t>
             </a:r>
             <a:endParaRPr lang="pt-BR" dirty="0"/>
@@ -6716,7 +6703,7 @@
           <p:cNvPr id="3" name="Espaço Reservado para Conteúdo 2">
             <a:extLst>
               <a:ext uri="{FF2B5EF4-FFF2-40B4-BE49-F238E27FC236}">
-                <a16:creationId xmlns="" xmlns:a16="http://schemas.microsoft.com/office/drawing/2014/main" id="{49CFAF28-7C60-46EB-A54C-3B7664638418}"/>
+                <a16:creationId xmlns:a16="http://schemas.microsoft.com/office/drawing/2014/main" id="{49CFAF28-7C60-46EB-A54C-3B7664638418}"/>
               </a:ext>
             </a:extLst>
           </p:cNvPr>
@@ -6737,47 +6724,80 @@
               <a:t>A fog </a:t>
             </a:r>
             <a:r>
-              <a:rPr lang="pt-BR" dirty="0" err="1" smtClean="0"/>
+              <a:rPr lang="pt-BR" dirty="0" err="1"/>
               <a:t>computing</a:t>
             </a:r>
             <a:r>
               <a:rPr lang="pt-BR" dirty="0"/>
-              <a:t> (computação em névoa</a:t>
-            </a:r>
-            <a:r>
-              <a:rPr lang="pt-BR" dirty="0" smtClean="0"/>
-              <a:t>)</a:t>
-            </a:r>
+              <a:t> (computação em névoa) é uma arquitetura computacional descentralizada, permitindo um processamento, análise e armazenamento de dados de forma mais ágil em uma camada intermediária entre a nuvem e o hardware.</a:t>
+            </a:r>
+          </a:p>
+          <a:p>
             <a:r>
               <a:rPr lang="pt-BR" dirty="0"/>
-              <a:t> </a:t>
-            </a:r>
-            <a:r>
-              <a:rPr lang="pt-BR" dirty="0" smtClean="0"/>
-              <a:t>é uma arquitetura computacional descentralizada, </a:t>
-            </a:r>
+              <a:t>Mantem os dados mais próximo do "chão", em computadores e dispositivos locais, em vez de rotear tudo para um data center na nuvem, e transferir os dados que mais interessa.</a:t>
+            </a:r>
+          </a:p>
+        </p:txBody>
+      </p:sp>
+    </p:spTree>
+    <p:extLst>
+      <p:ext uri="{BB962C8B-B14F-4D97-AF65-F5344CB8AC3E}">
+        <p14:creationId xmlns:p14="http://schemas.microsoft.com/office/powerpoint/2010/main" val="2216344266"/>
+      </p:ext>
+    </p:extLst>
+  </p:cSld>
+  <p:clrMapOvr>
+    <a:masterClrMapping/>
+  </p:clrMapOvr>
+</p:sld>
+</file>
+
+<file path=ppt/slides/slide4.xml><?xml version="1.0" encoding="utf-8"?>
+<p:sld xmlns:a="http://schemas.openxmlformats.org/drawingml/2006/main" xmlns:r="http://schemas.openxmlformats.org/officeDocument/2006/relationships" xmlns:p="http://schemas.openxmlformats.org/presentationml/2006/main">
+  <p:cSld>
+    <p:spTree>
+      <p:nvGrpSpPr>
+        <p:cNvPr id="1" name=""/>
+        <p:cNvGrpSpPr/>
+        <p:nvPr/>
+      </p:nvGrpSpPr>
+      <p:grpSpPr>
+        <a:xfrm>
+          <a:off x="0" y="0"/>
+          <a:ext cx="0" cy="0"/>
+          <a:chOff x="0" y="0"/>
+          <a:chExt cx="0" cy="0"/>
+        </a:xfrm>
+      </p:grpSpPr>
+      <p:sp>
+        <p:nvSpPr>
+          <p:cNvPr id="2" name="Título 1">
+            <a:extLst>
+              <a:ext uri="{FF2B5EF4-FFF2-40B4-BE49-F238E27FC236}">
+                <a16:creationId xmlns:a16="http://schemas.microsoft.com/office/drawing/2014/main" id="{678AF515-9CE6-4EA1-87AD-D5A6278886BA}"/>
+              </a:ext>
+            </a:extLst>
+          </p:cNvPr>
+          <p:cNvSpPr>
+            <a:spLocks noGrp="1"/>
+          </p:cNvSpPr>
+          <p:nvPr>
+            <p:ph type="title"/>
+          </p:nvPr>
+        </p:nvSpPr>
+        <p:spPr/>
+        <p:txBody>
+          <a:bodyPr/>
+          <a:lstStyle/>
+          <a:p>
             <a:r>
               <a:rPr lang="pt-BR" dirty="0"/>
-              <a:t>permitindo um processamento, análise e armazenamento de dados de forma mais </a:t>
-            </a:r>
-            <a:r>
-              <a:rPr lang="pt-BR" dirty="0" smtClean="0"/>
-              <a:t>ágil em uma camada intermediária entre a nuvem e o hardware.</a:t>
-            </a:r>
-            <a:endParaRPr lang="pt-BR" dirty="0"/>
-          </a:p>
-          <a:p>
-            <a:r>
-              <a:rPr lang="pt-BR" dirty="0" smtClean="0"/>
-              <a:t>Mantem os dados mais próximo do "chão", </a:t>
-            </a:r>
-            <a:r>
-              <a:rPr lang="pt-BR" dirty="0"/>
-              <a:t>em computadores e dispositivos locais, em vez de rotear tudo </a:t>
-            </a:r>
-            <a:r>
-              <a:rPr lang="pt-BR" dirty="0" smtClean="0"/>
-              <a:t>para um data center na nuvem, e transferir os dados que mais interessa.</a:t>
+              <a:t>Fog </a:t>
+            </a:r>
+            <a:r>
+              <a:rPr lang="pt-BR" dirty="0" err="1"/>
+              <a:t>Computing</a:t>
             </a:r>
             <a:endParaRPr lang="pt-BR" dirty="0"/>
           </a:p>
@@ -6799,8 +6819,8 @@
         </p:blipFill>
         <p:spPr>
           <a:xfrm>
-            <a:off x="3940452" y="4430333"/>
-            <a:ext cx="3272259" cy="2314141"/>
+            <a:off x="2141166" y="1448235"/>
+            <a:ext cx="7009400" cy="4957047"/>
           </a:xfrm>
           <a:prstGeom prst="roundRect">
             <a:avLst>
@@ -6834,24 +6854,17 @@
     </p:spTree>
     <p:extLst>
       <p:ext uri="{BB962C8B-B14F-4D97-AF65-F5344CB8AC3E}">
-        <p14:creationId xmlns:p14="http://schemas.microsoft.com/office/powerpoint/2010/main" val="2216344266"/>
+        <p14:creationId xmlns:p14="http://schemas.microsoft.com/office/powerpoint/2010/main" val="1756591451"/>
       </p:ext>
     </p:extLst>
   </p:cSld>
   <p:clrMapOvr>
     <a:masterClrMapping/>
   </p:clrMapOvr>
-  <p:timing>
-    <p:tnLst>
-      <p:par>
-        <p:cTn id="1" dur="indefinite" restart="never" nodeType="tmRoot"/>
-      </p:par>
-    </p:tnLst>
-  </p:timing>
 </p:sld>
 </file>
 
-<file path=ppt/slides/slide4.xml><?xml version="1.0" encoding="utf-8"?>
+<file path=ppt/slides/slide5.xml><?xml version="1.0" encoding="utf-8"?>
 <p:sld xmlns:a="http://schemas.openxmlformats.org/drawingml/2006/main" xmlns:r="http://schemas.openxmlformats.org/officeDocument/2006/relationships" xmlns:p="http://schemas.openxmlformats.org/presentationml/2006/main">
   <p:cSld>
     <p:spTree>
@@ -6873,7 +6886,7 @@
           <p:cNvPr id="2" name="Título 1">
             <a:extLst>
               <a:ext uri="{FF2B5EF4-FFF2-40B4-BE49-F238E27FC236}">
-                <a16:creationId xmlns="" xmlns:a16="http://schemas.microsoft.com/office/drawing/2014/main" id="{B83F8941-AE6D-430F-8DE2-0247F965B23B}"/>
+                <a16:creationId xmlns:a16="http://schemas.microsoft.com/office/drawing/2014/main" id="{B83F8941-AE6D-430F-8DE2-0247F965B23B}"/>
               </a:ext>
             </a:extLst>
           </p:cNvPr>
@@ -6906,7 +6919,7 @@
           <p:cNvPr id="4" name="Espaço Reservado para Conteúdo 3">
             <a:extLst>
               <a:ext uri="{FF2B5EF4-FFF2-40B4-BE49-F238E27FC236}">
-                <a16:creationId xmlns="" xmlns:a16="http://schemas.microsoft.com/office/drawing/2014/main" id="{63523DBF-5F8B-4C7C-9BC3-40171720D0D4}"/>
+                <a16:creationId xmlns:a16="http://schemas.microsoft.com/office/drawing/2014/main" id="{63523DBF-5F8B-4C7C-9BC3-40171720D0D4}"/>
               </a:ext>
             </a:extLst>
           </p:cNvPr>
@@ -6936,21 +6949,21 @@
                 <a:gridCol w="3134908">
                   <a:extLst>
                     <a:ext uri="{9D8B030D-6E8A-4147-A177-3AD203B41FA5}">
-                      <a16:colId xmlns="" xmlns:a16="http://schemas.microsoft.com/office/drawing/2014/main" val="4144113411"/>
+                      <a16:colId xmlns:a16="http://schemas.microsoft.com/office/drawing/2014/main" val="4144113411"/>
                     </a:ext>
                   </a:extLst>
                 </a:gridCol>
                 <a:gridCol w="3134908">
                   <a:extLst>
                     <a:ext uri="{9D8B030D-6E8A-4147-A177-3AD203B41FA5}">
-                      <a16:colId xmlns="" xmlns:a16="http://schemas.microsoft.com/office/drawing/2014/main" val="3389461439"/>
+                      <a16:colId xmlns:a16="http://schemas.microsoft.com/office/drawing/2014/main" val="3389461439"/>
                     </a:ext>
                   </a:extLst>
                 </a:gridCol>
                 <a:gridCol w="3134908">
                   <a:extLst>
                     <a:ext uri="{9D8B030D-6E8A-4147-A177-3AD203B41FA5}">
-                      <a16:colId xmlns="" xmlns:a16="http://schemas.microsoft.com/office/drawing/2014/main" val="2723774629"/>
+                      <a16:colId xmlns:a16="http://schemas.microsoft.com/office/drawing/2014/main" val="2723774629"/>
                     </a:ext>
                   </a:extLst>
                 </a:gridCol>
@@ -7000,7 +7013,7 @@
                 </a:tc>
                 <a:extLst>
                   <a:ext uri="{0D108BD9-81ED-4DB2-BD59-A6C34878D82A}">
-                    <a16:rowId xmlns="" xmlns:a16="http://schemas.microsoft.com/office/drawing/2014/main" val="1645035638"/>
+                    <a16:rowId xmlns:a16="http://schemas.microsoft.com/office/drawing/2014/main" val="1645035638"/>
                   </a:ext>
                 </a:extLst>
               </a:tr>
@@ -7049,7 +7062,7 @@
                 </a:tc>
                 <a:extLst>
                   <a:ext uri="{0D108BD9-81ED-4DB2-BD59-A6C34878D82A}">
-                    <a16:rowId xmlns="" xmlns:a16="http://schemas.microsoft.com/office/drawing/2014/main" val="3913610691"/>
+                    <a16:rowId xmlns:a16="http://schemas.microsoft.com/office/drawing/2014/main" val="3913610691"/>
                   </a:ext>
                 </a:extLst>
               </a:tr>
@@ -7098,7 +7111,7 @@
                 </a:tc>
                 <a:extLst>
                   <a:ext uri="{0D108BD9-81ED-4DB2-BD59-A6C34878D82A}">
-                    <a16:rowId xmlns="" xmlns:a16="http://schemas.microsoft.com/office/drawing/2014/main" val="4143329168"/>
+                    <a16:rowId xmlns:a16="http://schemas.microsoft.com/office/drawing/2014/main" val="4143329168"/>
                   </a:ext>
                 </a:extLst>
               </a:tr>
@@ -7147,7 +7160,7 @@
                 </a:tc>
                 <a:extLst>
                   <a:ext uri="{0D108BD9-81ED-4DB2-BD59-A6C34878D82A}">
-                    <a16:rowId xmlns="" xmlns:a16="http://schemas.microsoft.com/office/drawing/2014/main" val="359655241"/>
+                    <a16:rowId xmlns:a16="http://schemas.microsoft.com/office/drawing/2014/main" val="359655241"/>
                   </a:ext>
                 </a:extLst>
               </a:tr>
@@ -7196,7 +7209,7 @@
                 </a:tc>
                 <a:extLst>
                   <a:ext uri="{0D108BD9-81ED-4DB2-BD59-A6C34878D82A}">
-                    <a16:rowId xmlns="" xmlns:a16="http://schemas.microsoft.com/office/drawing/2014/main" val="334185147"/>
+                    <a16:rowId xmlns:a16="http://schemas.microsoft.com/office/drawing/2014/main" val="334185147"/>
                   </a:ext>
                 </a:extLst>
               </a:tr>
@@ -7245,7 +7258,7 @@
                 </a:tc>
                 <a:extLst>
                   <a:ext uri="{0D108BD9-81ED-4DB2-BD59-A6C34878D82A}">
-                    <a16:rowId xmlns="" xmlns:a16="http://schemas.microsoft.com/office/drawing/2014/main" val="473385853"/>
+                    <a16:rowId xmlns:a16="http://schemas.microsoft.com/office/drawing/2014/main" val="473385853"/>
                   </a:ext>
                 </a:extLst>
               </a:tr>
@@ -7294,7 +7307,7 @@
                 </a:tc>
                 <a:extLst>
                   <a:ext uri="{0D108BD9-81ED-4DB2-BD59-A6C34878D82A}">
-                    <a16:rowId xmlns="" xmlns:a16="http://schemas.microsoft.com/office/drawing/2014/main" val="176966939"/>
+                    <a16:rowId xmlns:a16="http://schemas.microsoft.com/office/drawing/2014/main" val="176966939"/>
                   </a:ext>
                 </a:extLst>
               </a:tr>
@@ -7343,7 +7356,7 @@
                 </a:tc>
                 <a:extLst>
                   <a:ext uri="{0D108BD9-81ED-4DB2-BD59-A6C34878D82A}">
-                    <a16:rowId xmlns="" xmlns:a16="http://schemas.microsoft.com/office/drawing/2014/main" val="3367505840"/>
+                    <a16:rowId xmlns:a16="http://schemas.microsoft.com/office/drawing/2014/main" val="3367505840"/>
                   </a:ext>
                 </a:extLst>
               </a:tr>
@@ -7392,7 +7405,7 @@
                 </a:tc>
                 <a:extLst>
                   <a:ext uri="{0D108BD9-81ED-4DB2-BD59-A6C34878D82A}">
-                    <a16:rowId xmlns="" xmlns:a16="http://schemas.microsoft.com/office/drawing/2014/main" val="1323265505"/>
+                    <a16:rowId xmlns:a16="http://schemas.microsoft.com/office/drawing/2014/main" val="1323265505"/>
                   </a:ext>
                 </a:extLst>
               </a:tr>
@@ -7441,7 +7454,7 @@
                 </a:tc>
                 <a:extLst>
                   <a:ext uri="{0D108BD9-81ED-4DB2-BD59-A6C34878D82A}">
-                    <a16:rowId xmlns="" xmlns:a16="http://schemas.microsoft.com/office/drawing/2014/main" val="1809725230"/>
+                    <a16:rowId xmlns:a16="http://schemas.microsoft.com/office/drawing/2014/main" val="1809725230"/>
                   </a:ext>
                 </a:extLst>
               </a:tr>
@@ -7490,7 +7503,7 @@
                 </a:tc>
                 <a:extLst>
                   <a:ext uri="{0D108BD9-81ED-4DB2-BD59-A6C34878D82A}">
-                    <a16:rowId xmlns="" xmlns:a16="http://schemas.microsoft.com/office/drawing/2014/main" val="3324681038"/>
+                    <a16:rowId xmlns:a16="http://schemas.microsoft.com/office/drawing/2014/main" val="3324681038"/>
                   </a:ext>
                 </a:extLst>
               </a:tr>
@@ -7539,7 +7552,7 @@
                 </a:tc>
                 <a:extLst>
                   <a:ext uri="{0D108BD9-81ED-4DB2-BD59-A6C34878D82A}">
-                    <a16:rowId xmlns="" xmlns:a16="http://schemas.microsoft.com/office/drawing/2014/main" val="110761079"/>
+                    <a16:rowId xmlns:a16="http://schemas.microsoft.com/office/drawing/2014/main" val="110761079"/>
                   </a:ext>
                 </a:extLst>
               </a:tr>
@@ -7588,7 +7601,7 @@
                 </a:tc>
                 <a:extLst>
                   <a:ext uri="{0D108BD9-81ED-4DB2-BD59-A6C34878D82A}">
-                    <a16:rowId xmlns="" xmlns:a16="http://schemas.microsoft.com/office/drawing/2014/main" val="530345133"/>
+                    <a16:rowId xmlns:a16="http://schemas.microsoft.com/office/drawing/2014/main" val="530345133"/>
                   </a:ext>
                 </a:extLst>
               </a:tr>
@@ -7606,17 +7619,10 @@
   <p:clrMapOvr>
     <a:masterClrMapping/>
   </p:clrMapOvr>
-  <p:timing>
-    <p:tnLst>
-      <p:par>
-        <p:cTn id="1" dur="indefinite" restart="never" nodeType="tmRoot"/>
-      </p:par>
-    </p:tnLst>
-  </p:timing>
 </p:sld>
 </file>
 
-<file path=ppt/slides/slide5.xml><?xml version="1.0" encoding="utf-8"?>
+<file path=ppt/slides/slide6.xml><?xml version="1.0" encoding="utf-8"?>
 <p:sld xmlns:a="http://schemas.openxmlformats.org/drawingml/2006/main" xmlns:r="http://schemas.openxmlformats.org/officeDocument/2006/relationships" xmlns:p="http://schemas.openxmlformats.org/presentationml/2006/main">
   <p:cSld>
     <p:spTree>
@@ -7638,7 +7644,7 @@
           <p:cNvPr id="2" name="Título 1">
             <a:extLst>
               <a:ext uri="{FF2B5EF4-FFF2-40B4-BE49-F238E27FC236}">
-                <a16:creationId xmlns="" xmlns:a16="http://schemas.microsoft.com/office/drawing/2014/main" id="{C1184FBC-0334-4157-BC37-27C990E3D53C}"/>
+                <a16:creationId xmlns:a16="http://schemas.microsoft.com/office/drawing/2014/main" id="{C1184FBC-0334-4157-BC37-27C990E3D53C}"/>
               </a:ext>
             </a:extLst>
           </p:cNvPr>
@@ -7666,7 +7672,7 @@
           <p:cNvPr id="4" name="Espaço Reservado para Conteúdo 3">
             <a:extLst>
               <a:ext uri="{FF2B5EF4-FFF2-40B4-BE49-F238E27FC236}">
-                <a16:creationId xmlns="" xmlns:a16="http://schemas.microsoft.com/office/drawing/2014/main" id="{804AFD8E-AB19-487B-A7ED-5733C3E4BDC5}"/>
+                <a16:creationId xmlns:a16="http://schemas.microsoft.com/office/drawing/2014/main" id="{804AFD8E-AB19-487B-A7ED-5733C3E4BDC5}"/>
               </a:ext>
             </a:extLst>
           </p:cNvPr>
@@ -7696,14 +7702,14 @@
                 <a:gridCol w="4702362">
                   <a:extLst>
                     <a:ext uri="{9D8B030D-6E8A-4147-A177-3AD203B41FA5}">
-                      <a16:colId xmlns="" xmlns:a16="http://schemas.microsoft.com/office/drawing/2014/main" val="2243281744"/>
+                      <a16:colId xmlns:a16="http://schemas.microsoft.com/office/drawing/2014/main" val="2243281744"/>
                     </a:ext>
                   </a:extLst>
                 </a:gridCol>
                 <a:gridCol w="4702362">
                   <a:extLst>
                     <a:ext uri="{9D8B030D-6E8A-4147-A177-3AD203B41FA5}">
-                      <a16:colId xmlns="" xmlns:a16="http://schemas.microsoft.com/office/drawing/2014/main" val="2995796224"/>
+                      <a16:colId xmlns:a16="http://schemas.microsoft.com/office/drawing/2014/main" val="2995796224"/>
                     </a:ext>
                   </a:extLst>
                 </a:gridCol>
@@ -7739,7 +7745,7 @@
                 </a:tc>
                 <a:extLst>
                   <a:ext uri="{0D108BD9-81ED-4DB2-BD59-A6C34878D82A}">
-                    <a16:rowId xmlns="" xmlns:a16="http://schemas.microsoft.com/office/drawing/2014/main" val="4287319692"/>
+                    <a16:rowId xmlns:a16="http://schemas.microsoft.com/office/drawing/2014/main" val="4287319692"/>
                   </a:ext>
                 </a:extLst>
               </a:tr>
@@ -7775,7 +7781,7 @@
                 </a:tc>
                 <a:extLst>
                   <a:ext uri="{0D108BD9-81ED-4DB2-BD59-A6C34878D82A}">
-                    <a16:rowId xmlns="" xmlns:a16="http://schemas.microsoft.com/office/drawing/2014/main" val="3412430253"/>
+                    <a16:rowId xmlns:a16="http://schemas.microsoft.com/office/drawing/2014/main" val="3412430253"/>
                   </a:ext>
                 </a:extLst>
               </a:tr>
@@ -7810,7 +7816,7 @@
                 </a:tc>
                 <a:extLst>
                   <a:ext uri="{0D108BD9-81ED-4DB2-BD59-A6C34878D82A}">
-                    <a16:rowId xmlns="" xmlns:a16="http://schemas.microsoft.com/office/drawing/2014/main" val="1930365859"/>
+                    <a16:rowId xmlns:a16="http://schemas.microsoft.com/office/drawing/2014/main" val="1930365859"/>
                   </a:ext>
                 </a:extLst>
               </a:tr>
@@ -7845,7 +7851,7 @@
                 </a:tc>
                 <a:extLst>
                   <a:ext uri="{0D108BD9-81ED-4DB2-BD59-A6C34878D82A}">
-                    <a16:rowId xmlns="" xmlns:a16="http://schemas.microsoft.com/office/drawing/2014/main" val="3426877043"/>
+                    <a16:rowId xmlns:a16="http://schemas.microsoft.com/office/drawing/2014/main" val="3426877043"/>
                   </a:ext>
                 </a:extLst>
               </a:tr>
@@ -7880,7 +7886,7 @@
                 </a:tc>
                 <a:extLst>
                   <a:ext uri="{0D108BD9-81ED-4DB2-BD59-A6C34878D82A}">
-                    <a16:rowId xmlns="" xmlns:a16="http://schemas.microsoft.com/office/drawing/2014/main" val="493661778"/>
+                    <a16:rowId xmlns:a16="http://schemas.microsoft.com/office/drawing/2014/main" val="493661778"/>
                   </a:ext>
                 </a:extLst>
               </a:tr>
@@ -7915,7 +7921,7 @@
                 </a:tc>
                 <a:extLst>
                   <a:ext uri="{0D108BD9-81ED-4DB2-BD59-A6C34878D82A}">
-                    <a16:rowId xmlns="" xmlns:a16="http://schemas.microsoft.com/office/drawing/2014/main" val="447815799"/>
+                    <a16:rowId xmlns:a16="http://schemas.microsoft.com/office/drawing/2014/main" val="447815799"/>
                   </a:ext>
                 </a:extLst>
               </a:tr>
@@ -7950,7 +7956,7 @@
                 </a:tc>
                 <a:extLst>
                   <a:ext uri="{0D108BD9-81ED-4DB2-BD59-A6C34878D82A}">
-                    <a16:rowId xmlns="" xmlns:a16="http://schemas.microsoft.com/office/drawing/2014/main" val="3307656635"/>
+                    <a16:rowId xmlns:a16="http://schemas.microsoft.com/office/drawing/2014/main" val="3307656635"/>
                   </a:ext>
                 </a:extLst>
               </a:tr>
@@ -7968,17 +7974,10 @@
   <p:clrMapOvr>
     <a:masterClrMapping/>
   </p:clrMapOvr>
-  <p:timing>
-    <p:tnLst>
-      <p:par>
-        <p:cTn id="1" dur="indefinite" restart="never" nodeType="tmRoot"/>
-      </p:par>
-    </p:tnLst>
-  </p:timing>
 </p:sld>
 </file>
 
-<file path=ppt/slides/slide6.xml><?xml version="1.0" encoding="utf-8"?>
+<file path=ppt/slides/slide7.xml><?xml version="1.0" encoding="utf-8"?>
 <p:sld xmlns:a="http://schemas.openxmlformats.org/drawingml/2006/main" xmlns:r="http://schemas.openxmlformats.org/officeDocument/2006/relationships" xmlns:p="http://schemas.openxmlformats.org/presentationml/2006/main">
   <p:cSld>
     <p:spTree>
@@ -8000,7 +7999,7 @@
           <p:cNvPr id="10" name="Espaço Reservado para Conteúdo 9">
             <a:extLst>
               <a:ext uri="{FF2B5EF4-FFF2-40B4-BE49-F238E27FC236}">
-                <a16:creationId xmlns="" xmlns:a16="http://schemas.microsoft.com/office/drawing/2014/main" id="{10A36F22-330D-46AD-AEA9-EE2CDF13B013}"/>
+                <a16:creationId xmlns:a16="http://schemas.microsoft.com/office/drawing/2014/main" id="{10A36F22-330D-46AD-AEA9-EE2CDF13B013}"/>
               </a:ext>
             </a:extLst>
           </p:cNvPr>
@@ -8040,13 +8039,89 @@
   <p:clrMapOvr>
     <a:masterClrMapping/>
   </p:clrMapOvr>
-  <p:timing>
-    <p:tnLst>
-      <p:par>
-        <p:cTn id="1" dur="indefinite" restart="never" nodeType="tmRoot"/>
-      </p:par>
-    </p:tnLst>
-  </p:timing>
+</p:sld>
+</file>
+
+<file path=ppt/slides/slide8.xml><?xml version="1.0" encoding="utf-8"?>
+<p:sld xmlns:a="http://schemas.openxmlformats.org/drawingml/2006/main" xmlns:r="http://schemas.openxmlformats.org/officeDocument/2006/relationships" xmlns:p="http://schemas.openxmlformats.org/presentationml/2006/main">
+  <p:cSld>
+    <p:spTree>
+      <p:nvGrpSpPr>
+        <p:cNvPr id="1" name=""/>
+        <p:cNvGrpSpPr/>
+        <p:nvPr/>
+      </p:nvGrpSpPr>
+      <p:grpSpPr>
+        <a:xfrm>
+          <a:off x="0" y="0"/>
+          <a:ext cx="0" cy="0"/>
+          <a:chOff x="0" y="0"/>
+          <a:chExt cx="0" cy="0"/>
+        </a:xfrm>
+      </p:grpSpPr>
+      <p:sp>
+        <p:nvSpPr>
+          <p:cNvPr id="2" name="Título 1">
+            <a:extLst>
+              <a:ext uri="{FF2B5EF4-FFF2-40B4-BE49-F238E27FC236}">
+                <a16:creationId xmlns:a16="http://schemas.microsoft.com/office/drawing/2014/main" id="{17FD0C5A-A8F4-4548-943A-856F8CB64345}"/>
+              </a:ext>
+            </a:extLst>
+          </p:cNvPr>
+          <p:cNvSpPr>
+            <a:spLocks noGrp="1"/>
+          </p:cNvSpPr>
+          <p:nvPr>
+            <p:ph type="title"/>
+          </p:nvPr>
+        </p:nvSpPr>
+        <p:spPr/>
+        <p:txBody>
+          <a:bodyPr/>
+          <a:lstStyle/>
+          <a:p>
+            <a:r>
+              <a:rPr lang="pt-BR" dirty="0"/>
+              <a:t>Vídeo...</a:t>
+            </a:r>
+          </a:p>
+        </p:txBody>
+      </p:sp>
+      <p:sp>
+        <p:nvSpPr>
+          <p:cNvPr id="3" name="Espaço Reservado para Conteúdo 2">
+            <a:extLst>
+              <a:ext uri="{FF2B5EF4-FFF2-40B4-BE49-F238E27FC236}">
+                <a16:creationId xmlns:a16="http://schemas.microsoft.com/office/drawing/2014/main" id="{C53053A9-477F-433A-AE80-0432BE96762C}"/>
+              </a:ext>
+            </a:extLst>
+          </p:cNvPr>
+          <p:cNvSpPr>
+            <a:spLocks noGrp="1"/>
+          </p:cNvSpPr>
+          <p:nvPr>
+            <p:ph idx="1"/>
+          </p:nvPr>
+        </p:nvSpPr>
+        <p:spPr/>
+        <p:txBody>
+          <a:bodyPr/>
+          <a:lstStyle/>
+          <a:p>
+            <a:endParaRPr lang="pt-BR"/>
+          </a:p>
+        </p:txBody>
+      </p:sp>
+    </p:spTree>
+    <p:extLst>
+      <p:ext uri="{BB962C8B-B14F-4D97-AF65-F5344CB8AC3E}">
+        <p14:creationId xmlns:p14="http://schemas.microsoft.com/office/powerpoint/2010/main" val="604006848"/>
+      </p:ext>
+    </p:extLst>
+  </p:cSld>
+  <p:clrMapOvr>
+    <a:masterClrMapping/>
+  </p:clrMapOvr>
 </p:sld>
 </file>
 
